--- a/VA_Project_Proposal.pptx
+++ b/VA_Project_Proposal.pptx
@@ -5,26 +5,27 @@
     <p:sldMasterId id="2147483648" r:id="rId1"/>
   </p:sldMasterIdLst>
   <p:notesMasterIdLst>
-    <p:notesMasterId r:id="rId19"/>
+    <p:notesMasterId r:id="rId20"/>
   </p:notesMasterIdLst>
   <p:sldIdLst>
     <p:sldId id="256" r:id="rId2"/>
     <p:sldId id="257" r:id="rId3"/>
     <p:sldId id="259" r:id="rId4"/>
-    <p:sldId id="262" r:id="rId5"/>
-    <p:sldId id="263" r:id="rId6"/>
-    <p:sldId id="264" r:id="rId7"/>
+    <p:sldId id="264" r:id="rId5"/>
+    <p:sldId id="262" r:id="rId6"/>
+    <p:sldId id="263" r:id="rId7"/>
     <p:sldId id="265" r:id="rId8"/>
     <p:sldId id="266" r:id="rId9"/>
     <p:sldId id="267" r:id="rId10"/>
     <p:sldId id="270" r:id="rId11"/>
     <p:sldId id="268" r:id="rId12"/>
-    <p:sldId id="269" r:id="rId13"/>
-    <p:sldId id="271" r:id="rId14"/>
-    <p:sldId id="272" r:id="rId15"/>
-    <p:sldId id="273" r:id="rId16"/>
-    <p:sldId id="274" r:id="rId17"/>
-    <p:sldId id="275" r:id="rId18"/>
+    <p:sldId id="276" r:id="rId13"/>
+    <p:sldId id="281" r:id="rId14"/>
+    <p:sldId id="280" r:id="rId15"/>
+    <p:sldId id="282" r:id="rId16"/>
+    <p:sldId id="273" r:id="rId17"/>
+    <p:sldId id="274" r:id="rId18"/>
+    <p:sldId id="275" r:id="rId19"/>
   </p:sldIdLst>
   <p:sldSz cx="9144000" cy="6858000" type="screen4x3"/>
   <p:notesSz cx="6858000" cy="9144000"/>
@@ -224,7 +225,7 @@
           <a:p>
             <a:fld id="{25274149-5DD3-456F-BE3E-344FD1CBA12E}" type="datetimeFigureOut">
               <a:rPr lang="en-US" smtClean="0"/>
-              <a:t>12/13/2016</a:t>
+              <a:t>12/14/16</a:t>
             </a:fld>
             <a:endParaRPr lang="en-US"/>
           </a:p>
@@ -561,7 +562,7 @@
           <a:p>
             <a:fld id="{869DF803-7275-4614-967A-BFBFA62F0254}" type="slidenum">
               <a:rPr lang="en-US" smtClean="0"/>
-              <a:t>6</a:t>
+              <a:t>4</a:t>
             </a:fld>
             <a:endParaRPr lang="en-US"/>
           </a:p>
@@ -571,6 +572,556 @@
     <p:extLst>
       <p:ext uri="{BB962C8B-B14F-4D97-AF65-F5344CB8AC3E}">
         <p14:creationId xmlns:p14="http://schemas.microsoft.com/office/powerpoint/2010/main" val="924789361"/>
+      </p:ext>
+    </p:extLst>
+  </p:cSld>
+  <p:clrMapOvr>
+    <a:masterClrMapping/>
+  </p:clrMapOvr>
+</p:notes>
+</file>
+
+<file path=ppt/notesSlides/notesSlide2.xml><?xml version="1.0" encoding="utf-8"?>
+<p:notes xmlns:a="http://schemas.openxmlformats.org/drawingml/2006/main" xmlns:r="http://schemas.openxmlformats.org/officeDocument/2006/relationships" xmlns:p="http://schemas.openxmlformats.org/presentationml/2006/main">
+  <p:cSld>
+    <p:spTree>
+      <p:nvGrpSpPr>
+        <p:cNvPr id="1" name=""/>
+        <p:cNvGrpSpPr/>
+        <p:nvPr/>
+      </p:nvGrpSpPr>
+      <p:grpSpPr>
+        <a:xfrm>
+          <a:off x="0" y="0"/>
+          <a:ext cx="0" cy="0"/>
+          <a:chOff x="0" y="0"/>
+          <a:chExt cx="0" cy="0"/>
+        </a:xfrm>
+      </p:grpSpPr>
+      <p:sp>
+        <p:nvSpPr>
+          <p:cNvPr id="2" name="投影片影像版面配置區 1"/>
+          <p:cNvSpPr>
+            <a:spLocks noGrp="1" noRot="1" noChangeAspect="1"/>
+          </p:cNvSpPr>
+          <p:nvPr>
+            <p:ph type="sldImg"/>
+          </p:nvPr>
+        </p:nvSpPr>
+        <p:spPr/>
+      </p:sp>
+      <p:sp>
+        <p:nvSpPr>
+          <p:cNvPr id="3" name="備忘稿版面配置區 2"/>
+          <p:cNvSpPr>
+            <a:spLocks noGrp="1"/>
+          </p:cNvSpPr>
+          <p:nvPr>
+            <p:ph type="body" idx="1"/>
+          </p:nvPr>
+        </p:nvSpPr>
+        <p:spPr/>
+        <p:txBody>
+          <a:bodyPr/>
+          <a:lstStyle/>
+          <a:p>
+            <a:r>
+              <a:rPr lang="en-US" altLang="zh-TW" b="1" dirty="0"/>
+              <a:t>Winning Percentage : Calculate the probability of a pitcher</a:t>
+            </a:r>
+            <a:r>
+              <a:rPr lang="en-US" altLang="zh-TW" b="1" baseline="0" dirty="0"/>
+              <a:t>. If the WPCT is higher,</a:t>
+            </a:r>
+          </a:p>
+          <a:p>
+            <a:endParaRPr lang="en-US" altLang="zh-TW" b="1" baseline="0" dirty="0"/>
+          </a:p>
+          <a:p>
+            <a:pPr marL="0" marR="0" indent="0" algn="l" defTabSz="914400" rtl="0" eaLnBrk="1" fontAlgn="auto" latinLnBrk="0" hangingPunct="1">
+              <a:lnSpc>
+                <a:spcPct val="100000"/>
+              </a:lnSpc>
+              <a:spcBef>
+                <a:spcPts val="0"/>
+              </a:spcBef>
+              <a:spcAft>
+                <a:spcPts val="0"/>
+              </a:spcAft>
+              <a:buClrTx/>
+              <a:buSzTx/>
+              <a:buFontTx/>
+              <a:buNone/>
+              <a:tabLst/>
+              <a:defRPr/>
+            </a:pPr>
+            <a:r>
+              <a:rPr lang="en-US" altLang="zh-TW" b="1" dirty="0"/>
+              <a:t>Earned Run Average</a:t>
+            </a:r>
+            <a:r>
+              <a:rPr lang="zh-TW" altLang="en-US" b="1" dirty="0"/>
+              <a:t> </a:t>
+            </a:r>
+            <a:r>
+              <a:rPr lang="en-US" altLang="zh-TW" b="1" dirty="0"/>
+              <a:t>is</a:t>
+            </a:r>
+            <a:r>
+              <a:rPr lang="en-US" altLang="zh-TW" b="1" baseline="0" dirty="0"/>
+              <a:t> the mean of earned runs given up by a pitcher per nine innings pitched. If the ERA is lower, </a:t>
+            </a:r>
+          </a:p>
+          <a:p>
+            <a:pPr marL="0" marR="0" indent="0" algn="l" defTabSz="914400" rtl="0" eaLnBrk="1" fontAlgn="auto" latinLnBrk="0" hangingPunct="1">
+              <a:lnSpc>
+                <a:spcPct val="100000"/>
+              </a:lnSpc>
+              <a:spcBef>
+                <a:spcPts val="0"/>
+              </a:spcBef>
+              <a:spcAft>
+                <a:spcPts val="0"/>
+              </a:spcAft>
+              <a:buClrTx/>
+              <a:buSzTx/>
+              <a:buFontTx/>
+              <a:buNone/>
+              <a:tabLst/>
+              <a:defRPr/>
+            </a:pPr>
+            <a:endParaRPr lang="en-US" altLang="zh-TW" b="1" baseline="0" dirty="0"/>
+          </a:p>
+          <a:p>
+            <a:pPr marL="0" marR="0" indent="0" algn="l" defTabSz="914400" rtl="0" eaLnBrk="1" fontAlgn="auto" latinLnBrk="0" hangingPunct="1">
+              <a:lnSpc>
+                <a:spcPct val="100000"/>
+              </a:lnSpc>
+              <a:spcBef>
+                <a:spcPts val="0"/>
+              </a:spcBef>
+              <a:spcAft>
+                <a:spcPts val="0"/>
+              </a:spcAft>
+              <a:buClrTx/>
+              <a:buSzTx/>
+              <a:buFontTx/>
+              <a:buNone/>
+              <a:tabLst/>
+              <a:defRPr/>
+            </a:pPr>
+            <a:r>
+              <a:rPr lang="en-US" altLang="zh-TW" b="1" dirty="0"/>
+              <a:t>Hits per nine innings is the mean of the</a:t>
+            </a:r>
+            <a:r>
+              <a:rPr lang="en-US" altLang="zh-TW" b="1" baseline="0" dirty="0"/>
+              <a:t> average number of hits allowed by a pitcher per nine inning pitched. If the </a:t>
+            </a:r>
+            <a:r>
+              <a:rPr lang="en-US" altLang="zh-TW" dirty="0"/>
+              <a:t>RA </a:t>
+            </a:r>
+            <a:r>
+              <a:rPr lang="en-US" altLang="zh-TW" b="1" baseline="0" dirty="0"/>
+              <a:t>is lower, </a:t>
+            </a:r>
+          </a:p>
+          <a:p>
+            <a:pPr marL="0" marR="0" indent="0" algn="l" defTabSz="914400" rtl="0" eaLnBrk="1" fontAlgn="auto" latinLnBrk="0" hangingPunct="1">
+              <a:lnSpc>
+                <a:spcPct val="100000"/>
+              </a:lnSpc>
+              <a:spcBef>
+                <a:spcPts val="0"/>
+              </a:spcBef>
+              <a:spcAft>
+                <a:spcPts val="0"/>
+              </a:spcAft>
+              <a:buClrTx/>
+              <a:buSzTx/>
+              <a:buFontTx/>
+              <a:buNone/>
+              <a:tabLst/>
+              <a:defRPr/>
+            </a:pPr>
+            <a:endParaRPr lang="en-US" altLang="zh-TW" b="1" baseline="0" dirty="0"/>
+          </a:p>
+          <a:p>
+            <a:pPr marL="0" marR="0" indent="0" algn="l" defTabSz="914400" rtl="0" eaLnBrk="1" fontAlgn="auto" latinLnBrk="0" hangingPunct="1">
+              <a:lnSpc>
+                <a:spcPct val="100000"/>
+              </a:lnSpc>
+              <a:spcBef>
+                <a:spcPts val="0"/>
+              </a:spcBef>
+              <a:spcAft>
+                <a:spcPts val="0"/>
+              </a:spcAft>
+              <a:buClrTx/>
+              <a:buSzTx/>
+              <a:buFontTx/>
+              <a:buNone/>
+              <a:tabLst/>
+              <a:defRPr/>
+            </a:pPr>
+            <a:r>
+              <a:rPr lang="en-US" altLang="zh-TW" b="1" dirty="0"/>
+              <a:t>Run Average is the number of runs-earned</a:t>
+            </a:r>
+            <a:r>
+              <a:rPr lang="en-US" altLang="zh-TW" b="1" baseline="0" dirty="0"/>
+              <a:t> or unearned-allowed by a pitcher per nine inning pitched. If the </a:t>
+            </a:r>
+            <a:r>
+              <a:rPr lang="en-US" altLang="zh-TW" dirty="0"/>
+              <a:t>H/9 </a:t>
+            </a:r>
+            <a:r>
+              <a:rPr lang="en-US" altLang="zh-TW" b="1" baseline="0" dirty="0"/>
+              <a:t>is lower, </a:t>
+            </a:r>
+          </a:p>
+          <a:p>
+            <a:pPr marL="0" marR="0" indent="0" algn="l" defTabSz="914400" rtl="0" eaLnBrk="1" fontAlgn="auto" latinLnBrk="0" hangingPunct="1">
+              <a:lnSpc>
+                <a:spcPct val="100000"/>
+              </a:lnSpc>
+              <a:spcBef>
+                <a:spcPts val="0"/>
+              </a:spcBef>
+              <a:spcAft>
+                <a:spcPts val="0"/>
+              </a:spcAft>
+              <a:buClrTx/>
+              <a:buSzTx/>
+              <a:buFontTx/>
+              <a:buNone/>
+              <a:tabLst/>
+              <a:defRPr/>
+            </a:pPr>
+            <a:endParaRPr lang="en-US" altLang="zh-TW" b="1" baseline="0" dirty="0"/>
+          </a:p>
+          <a:p>
+            <a:pPr marL="0" marR="0" indent="0" algn="l" defTabSz="914400" rtl="0" eaLnBrk="1" fontAlgn="auto" latinLnBrk="0" hangingPunct="1">
+              <a:lnSpc>
+                <a:spcPct val="100000"/>
+              </a:lnSpc>
+              <a:spcBef>
+                <a:spcPts val="0"/>
+              </a:spcBef>
+              <a:spcAft>
+                <a:spcPts val="0"/>
+              </a:spcAft>
+              <a:buClrTx/>
+              <a:buSzTx/>
+              <a:buFontTx/>
+              <a:buNone/>
+              <a:tabLst/>
+              <a:defRPr/>
+            </a:pPr>
+            <a:r>
+              <a:rPr lang="en-US" altLang="zh-TW" b="1" dirty="0"/>
+              <a:t>Walks plus hits per inning pitched is a sabermetric measurement of</a:t>
+            </a:r>
+            <a:r>
+              <a:rPr lang="en-US" altLang="zh-TW" b="1" baseline="0" dirty="0"/>
+              <a:t> the number of baserunners a pitcher has allowed per inning pitched. If the WHIP is lower, </a:t>
+            </a:r>
+          </a:p>
+          <a:p>
+            <a:pPr marL="0" marR="0" indent="0" algn="l" defTabSz="914400" rtl="0" eaLnBrk="1" fontAlgn="auto" latinLnBrk="0" hangingPunct="1">
+              <a:lnSpc>
+                <a:spcPct val="100000"/>
+              </a:lnSpc>
+              <a:spcBef>
+                <a:spcPts val="0"/>
+              </a:spcBef>
+              <a:spcAft>
+                <a:spcPts val="0"/>
+              </a:spcAft>
+              <a:buClrTx/>
+              <a:buSzTx/>
+              <a:buFontTx/>
+              <a:buNone/>
+              <a:tabLst/>
+              <a:defRPr/>
+            </a:pPr>
+            <a:endParaRPr lang="en-US" altLang="zh-TW" b="1" baseline="0" dirty="0"/>
+          </a:p>
+          <a:p>
+            <a:pPr marL="0" marR="0" indent="0" algn="l" defTabSz="914400" rtl="0" eaLnBrk="1" fontAlgn="auto" latinLnBrk="0" hangingPunct="1">
+              <a:lnSpc>
+                <a:spcPct val="100000"/>
+              </a:lnSpc>
+              <a:spcBef>
+                <a:spcPts val="0"/>
+              </a:spcBef>
+              <a:spcAft>
+                <a:spcPts val="0"/>
+              </a:spcAft>
+              <a:buClrTx/>
+              <a:buSzTx/>
+              <a:buFontTx/>
+              <a:buNone/>
+              <a:tabLst/>
+              <a:defRPr/>
+            </a:pPr>
+            <a:r>
+              <a:rPr lang="en-US" altLang="zh-TW" b="1" dirty="0"/>
+              <a:t>Strikeouts per nine innings is the mean of the</a:t>
+            </a:r>
+            <a:r>
+              <a:rPr lang="en-US" altLang="zh-TW" b="1" baseline="0" dirty="0"/>
+              <a:t> average number of </a:t>
+            </a:r>
+            <a:r>
+              <a:rPr lang="en-US" altLang="zh-TW" b="1" dirty="0"/>
+              <a:t>strikeouts given up</a:t>
+            </a:r>
+            <a:r>
+              <a:rPr lang="en-US" altLang="zh-TW" b="1" baseline="0" dirty="0"/>
+              <a:t> </a:t>
+            </a:r>
+            <a:r>
+              <a:rPr lang="en-US" altLang="zh-TW" b="1" dirty="0"/>
+              <a:t> by a pitcher per nine innings pitched.  If the K/9 is higher, </a:t>
+            </a:r>
+          </a:p>
+          <a:p>
+            <a:pPr marL="0" marR="0" indent="0" algn="l" defTabSz="914400" rtl="0" eaLnBrk="1" fontAlgn="auto" latinLnBrk="0" hangingPunct="1">
+              <a:lnSpc>
+                <a:spcPct val="100000"/>
+              </a:lnSpc>
+              <a:spcBef>
+                <a:spcPts val="0"/>
+              </a:spcBef>
+              <a:spcAft>
+                <a:spcPts val="0"/>
+              </a:spcAft>
+              <a:buClrTx/>
+              <a:buSzTx/>
+              <a:buFontTx/>
+              <a:buNone/>
+              <a:tabLst/>
+              <a:defRPr/>
+            </a:pPr>
+            <a:endParaRPr lang="en-US" altLang="zh-TW" b="1" dirty="0"/>
+          </a:p>
+          <a:p>
+            <a:pPr marL="0" marR="0" indent="0" algn="l" defTabSz="914400" rtl="0" eaLnBrk="1" fontAlgn="auto" latinLnBrk="0" hangingPunct="1">
+              <a:lnSpc>
+                <a:spcPct val="100000"/>
+              </a:lnSpc>
+              <a:spcBef>
+                <a:spcPts val="0"/>
+              </a:spcBef>
+              <a:spcAft>
+                <a:spcPts val="0"/>
+              </a:spcAft>
+              <a:buClrTx/>
+              <a:buSzTx/>
+              <a:buFontTx/>
+              <a:buNone/>
+              <a:tabLst/>
+              <a:defRPr/>
+            </a:pPr>
+            <a:r>
+              <a:rPr lang="en-US" altLang="zh-TW" b="1" dirty="0"/>
+              <a:t>Base on balls per nine innings is the mean of the</a:t>
+            </a:r>
+            <a:r>
+              <a:rPr lang="en-US" altLang="zh-TW" b="1" baseline="0" dirty="0"/>
+              <a:t> average number of </a:t>
+            </a:r>
+            <a:r>
+              <a:rPr lang="en-US" altLang="zh-TW" b="1" dirty="0"/>
+              <a:t>base on balls given up</a:t>
+            </a:r>
+            <a:r>
+              <a:rPr lang="en-US" altLang="zh-TW" b="1" baseline="0" dirty="0"/>
+              <a:t> </a:t>
+            </a:r>
+            <a:r>
+              <a:rPr lang="en-US" altLang="zh-TW" b="1" dirty="0"/>
+              <a:t> by a pitcher per nine innings pitched. If the </a:t>
+            </a:r>
+            <a:r>
+              <a:rPr lang="en-US" altLang="zh-TW" dirty="0">
+                <a:solidFill>
+                  <a:srgbClr val="FFFF99"/>
+                </a:solidFill>
+              </a:rPr>
+              <a:t>BB/9 </a:t>
+            </a:r>
+            <a:r>
+              <a:rPr lang="en-US" altLang="zh-TW" b="1" dirty="0"/>
+              <a:t>is lower, </a:t>
+            </a:r>
+          </a:p>
+          <a:p>
+            <a:pPr marL="0" marR="0" indent="0" algn="l" defTabSz="914400" rtl="0" eaLnBrk="1" fontAlgn="auto" latinLnBrk="0" hangingPunct="1">
+              <a:lnSpc>
+                <a:spcPct val="100000"/>
+              </a:lnSpc>
+              <a:spcBef>
+                <a:spcPts val="0"/>
+              </a:spcBef>
+              <a:spcAft>
+                <a:spcPts val="0"/>
+              </a:spcAft>
+              <a:buClrTx/>
+              <a:buSzTx/>
+              <a:buFontTx/>
+              <a:buNone/>
+              <a:tabLst/>
+              <a:defRPr/>
+            </a:pPr>
+            <a:endParaRPr lang="en-US" altLang="zh-TW" b="1" dirty="0"/>
+          </a:p>
+          <a:p>
+            <a:pPr marL="0" marR="0" indent="0" algn="l" defTabSz="914400" rtl="0" eaLnBrk="1" fontAlgn="auto" latinLnBrk="0" hangingPunct="1">
+              <a:lnSpc>
+                <a:spcPct val="100000"/>
+              </a:lnSpc>
+              <a:spcBef>
+                <a:spcPts val="0"/>
+              </a:spcBef>
+              <a:spcAft>
+                <a:spcPts val="0"/>
+              </a:spcAft>
+              <a:buClrTx/>
+              <a:buSzTx/>
+              <a:buFontTx/>
+              <a:buNone/>
+              <a:tabLst/>
+              <a:defRPr/>
+            </a:pPr>
+            <a:r>
+              <a:rPr lang="en-US" altLang="zh-TW" b="1" dirty="0"/>
+              <a:t>Strikeout-to-walk ratio  is a measure of a pitcher’s ability to control pitches. If the </a:t>
+            </a:r>
+            <a:r>
+              <a:rPr lang="en-US" altLang="zh-TW" dirty="0"/>
+              <a:t>K/BB </a:t>
+            </a:r>
+            <a:r>
+              <a:rPr lang="en-US" altLang="zh-TW" b="1" dirty="0"/>
+              <a:t>is higher, </a:t>
+            </a:r>
+          </a:p>
+          <a:p>
+            <a:pPr marL="0" marR="0" indent="0" algn="l" defTabSz="914400" rtl="0" eaLnBrk="1" fontAlgn="auto" latinLnBrk="0" hangingPunct="1">
+              <a:lnSpc>
+                <a:spcPct val="100000"/>
+              </a:lnSpc>
+              <a:spcBef>
+                <a:spcPts val="0"/>
+              </a:spcBef>
+              <a:spcAft>
+                <a:spcPts val="0"/>
+              </a:spcAft>
+              <a:buClrTx/>
+              <a:buSzTx/>
+              <a:buFontTx/>
+              <a:buNone/>
+              <a:tabLst/>
+              <a:defRPr/>
+            </a:pPr>
+            <a:endParaRPr lang="en-US" altLang="zh-TW" b="1" baseline="0" dirty="0"/>
+          </a:p>
+          <a:p>
+            <a:pPr marL="0" marR="0" indent="0" algn="l" defTabSz="914400" rtl="0" eaLnBrk="1" fontAlgn="auto" latinLnBrk="0" hangingPunct="1">
+              <a:lnSpc>
+                <a:spcPct val="100000"/>
+              </a:lnSpc>
+              <a:spcBef>
+                <a:spcPts val="0"/>
+              </a:spcBef>
+              <a:spcAft>
+                <a:spcPts val="0"/>
+              </a:spcAft>
+              <a:buClrTx/>
+              <a:buSzTx/>
+              <a:buFontTx/>
+              <a:buNone/>
+              <a:tabLst/>
+              <a:defRPr/>
+            </a:pPr>
+            <a:endParaRPr lang="en-US" altLang="zh-TW" b="1" baseline="0" dirty="0"/>
+          </a:p>
+          <a:p>
+            <a:pPr marL="0" marR="0" indent="0" algn="l" defTabSz="914400" rtl="0" eaLnBrk="1" fontAlgn="auto" latinLnBrk="0" hangingPunct="1">
+              <a:lnSpc>
+                <a:spcPct val="100000"/>
+              </a:lnSpc>
+              <a:spcBef>
+                <a:spcPts val="0"/>
+              </a:spcBef>
+              <a:spcAft>
+                <a:spcPts val="0"/>
+              </a:spcAft>
+              <a:buClrTx/>
+              <a:buSzTx/>
+              <a:buFontTx/>
+              <a:buNone/>
+              <a:tabLst/>
+              <a:defRPr/>
+            </a:pPr>
+            <a:r>
+              <a:rPr lang="en-US" altLang="zh-TW" b="1" baseline="0" dirty="0"/>
+              <a:t>Mean he is a good pitcher, and a team chances of winning will be higher.</a:t>
+            </a:r>
+          </a:p>
+          <a:p>
+            <a:pPr marL="0" marR="0" indent="0" algn="l" defTabSz="914400" rtl="0" eaLnBrk="1" fontAlgn="auto" latinLnBrk="0" hangingPunct="1">
+              <a:lnSpc>
+                <a:spcPct val="100000"/>
+              </a:lnSpc>
+              <a:spcBef>
+                <a:spcPts val="0"/>
+              </a:spcBef>
+              <a:spcAft>
+                <a:spcPts val="0"/>
+              </a:spcAft>
+              <a:buClrTx/>
+              <a:buSzTx/>
+              <a:buFontTx/>
+              <a:buNone/>
+              <a:tabLst/>
+              <a:defRPr/>
+            </a:pPr>
+            <a:endParaRPr lang="en-US" altLang="zh-TW" b="1" baseline="0" dirty="0"/>
+          </a:p>
+        </p:txBody>
+      </p:sp>
+      <p:sp>
+        <p:nvSpPr>
+          <p:cNvPr id="4" name="投影片編號版面配置區 3"/>
+          <p:cNvSpPr>
+            <a:spLocks noGrp="1"/>
+          </p:cNvSpPr>
+          <p:nvPr>
+            <p:ph type="sldNum" sz="quarter" idx="10"/>
+          </p:nvPr>
+        </p:nvSpPr>
+        <p:spPr/>
+        <p:txBody>
+          <a:bodyPr/>
+          <a:lstStyle/>
+          <a:p>
+            <a:fld id="{869DF803-7275-4614-967A-BFBFA62F0254}" type="slidenum">
+              <a:rPr lang="en-US" smtClean="0"/>
+              <a:t>15</a:t>
+            </a:fld>
+            <a:endParaRPr lang="en-US"/>
+          </a:p>
+        </p:txBody>
+      </p:sp>
+    </p:spTree>
+    <p:extLst>
+      <p:ext uri="{BB962C8B-B14F-4D97-AF65-F5344CB8AC3E}">
+        <p14:creationId xmlns:p14="http://schemas.microsoft.com/office/powerpoint/2010/main" val="596043393"/>
       </p:ext>
     </p:extLst>
   </p:cSld>
@@ -803,7 +1354,7 @@
             <a:fld id="{53074F12-AA26-4AC8-9962-C36BB8F32554}" type="datetimeFigureOut">
               <a:rPr lang="en-US" smtClean="0"/>
               <a:pPr/>
-              <a:t>12/13/2016</a:t>
+              <a:t>12/14/16</a:t>
             </a:fld>
             <a:endParaRPr lang="en-US"/>
           </a:p>
@@ -1057,7 +1608,7 @@
             <a:fld id="{53074F12-AA26-4AC8-9962-C36BB8F32554}" type="datetimeFigureOut">
               <a:rPr lang="en-US" smtClean="0"/>
               <a:pPr/>
-              <a:t>12/13/2016</a:t>
+              <a:t>12/14/16</a:t>
             </a:fld>
             <a:endParaRPr lang="en-US"/>
           </a:p>
@@ -1227,7 +1778,7 @@
             <a:fld id="{53074F12-AA26-4AC8-9962-C36BB8F32554}" type="datetimeFigureOut">
               <a:rPr lang="en-US" smtClean="0"/>
               <a:pPr/>
-              <a:t>12/13/2016</a:t>
+              <a:t>12/14/16</a:t>
             </a:fld>
             <a:endParaRPr lang="en-US"/>
           </a:p>
@@ -1407,7 +1958,7 @@
             <a:fld id="{53074F12-AA26-4AC8-9962-C36BB8F32554}" type="datetimeFigureOut">
               <a:rPr lang="en-US" smtClean="0"/>
               <a:pPr/>
-              <a:t>12/13/2016</a:t>
+              <a:t>12/14/16</a:t>
             </a:fld>
             <a:endParaRPr lang="en-US"/>
           </a:p>
@@ -1643,7 +2194,7 @@
             <a:fld id="{53074F12-AA26-4AC8-9962-C36BB8F32554}" type="datetimeFigureOut">
               <a:rPr lang="en-US" smtClean="0"/>
               <a:pPr/>
-              <a:t>12/13/2016</a:t>
+              <a:t>12/14/16</a:t>
             </a:fld>
             <a:endParaRPr lang="en-US"/>
           </a:p>
@@ -1893,7 +2444,7 @@
             <a:fld id="{53074F12-AA26-4AC8-9962-C36BB8F32554}" type="datetimeFigureOut">
               <a:rPr lang="en-US" smtClean="0"/>
               <a:pPr/>
-              <a:t>12/13/2016</a:t>
+              <a:t>12/14/16</a:t>
             </a:fld>
             <a:endParaRPr lang="en-US"/>
           </a:p>
@@ -2140,7 +2691,7 @@
             <a:fld id="{53074F12-AA26-4AC8-9962-C36BB8F32554}" type="datetimeFigureOut">
               <a:rPr lang="en-US" smtClean="0"/>
               <a:pPr/>
-              <a:t>12/13/2016</a:t>
+              <a:t>12/14/16</a:t>
             </a:fld>
             <a:endParaRPr lang="en-US"/>
           </a:p>
@@ -2432,7 +2983,7 @@
             <a:fld id="{53074F12-AA26-4AC8-9962-C36BB8F32554}" type="datetimeFigureOut">
               <a:rPr lang="en-US" smtClean="0"/>
               <a:pPr/>
-              <a:t>12/13/2016</a:t>
+              <a:t>12/14/16</a:t>
             </a:fld>
             <a:endParaRPr lang="en-US"/>
           </a:p>
@@ -2922,7 +3473,7 @@
             <a:fld id="{53074F12-AA26-4AC8-9962-C36BB8F32554}" type="datetimeFigureOut">
               <a:rPr lang="en-US" smtClean="0"/>
               <a:pPr/>
-              <a:t>12/13/2016</a:t>
+              <a:t>12/14/16</a:t>
             </a:fld>
             <a:endParaRPr lang="en-US"/>
           </a:p>
@@ -3041,7 +3592,7 @@
             <a:fld id="{53074F12-AA26-4AC8-9962-C36BB8F32554}" type="datetimeFigureOut">
               <a:rPr lang="en-US" smtClean="0"/>
               <a:pPr/>
-              <a:t>12/13/2016</a:t>
+              <a:t>12/14/16</a:t>
             </a:fld>
             <a:endParaRPr lang="en-US"/>
           </a:p>
@@ -3138,7 +3689,7 @@
             <a:fld id="{53074F12-AA26-4AC8-9962-C36BB8F32554}" type="datetimeFigureOut">
               <a:rPr lang="en-US" smtClean="0"/>
               <a:pPr/>
-              <a:t>12/13/2016</a:t>
+              <a:t>12/14/16</a:t>
             </a:fld>
             <a:endParaRPr lang="en-US"/>
           </a:p>
@@ -3415,7 +3966,7 @@
             <a:fld id="{53074F12-AA26-4AC8-9962-C36BB8F32554}" type="datetimeFigureOut">
               <a:rPr lang="en-US" smtClean="0"/>
               <a:pPr/>
-              <a:t>12/13/2016</a:t>
+              <a:t>12/14/16</a:t>
             </a:fld>
             <a:endParaRPr lang="en-US"/>
           </a:p>
@@ -3637,7 +4188,7 @@
             <a:fld id="{53074F12-AA26-4AC8-9962-C36BB8F32554}" type="datetimeFigureOut">
               <a:rPr lang="en-US" smtClean="0"/>
               <a:pPr/>
-              <a:t>12/13/2016</a:t>
+              <a:t>12/14/16</a:t>
             </a:fld>
             <a:endParaRPr lang="en-US"/>
           </a:p>
@@ -5007,10 +5558,10 @@
           <a:lstStyle/>
           <a:p>
             <a:r>
-              <a:rPr kumimoji="1" lang="en-US" altLang="zh-TW" dirty="0"/>
-              <a:t>Concept clarification</a:t>
-            </a:r>
-            <a:endParaRPr lang="zh-TW" altLang="en-US" dirty="0"/>
+              <a:rPr lang="en-US" altLang="zh-TW" dirty="0"/>
+              <a:t>Defensive</a:t>
+            </a:r>
+            <a:endParaRPr kumimoji="1" lang="zh-TW" altLang="en-US" dirty="0"/>
           </a:p>
         </p:txBody>
       </p:sp>
@@ -5033,106 +5584,46 @@
           <a:p>
             <a:r>
               <a:rPr lang="en-US" altLang="zh-TW" dirty="0"/>
-              <a:t>Innings pitched</a:t>
+              <a:t>In defensive aspect:</a:t>
             </a:r>
           </a:p>
           <a:p>
             <a:pPr lvl="1"/>
             <a:r>
-              <a:rPr lang="en-US" altLang="zh-TW" sz="2400" dirty="0"/>
-              <a:t>In baseball, innings pitched (IP) are the number of innings a pitcher has completed. </a:t>
-            </a:r>
-          </a:p>
-          <a:p>
-            <a:r>
-              <a:rPr lang="en-US" altLang="zh-TW" dirty="0"/>
-              <a:t>Statistics are presented: (No more than 3 after the decimal point)</a:t>
+              <a:rPr kumimoji="1" lang="en-US" altLang="zh-TW" dirty="0"/>
+              <a:t>Pitcher plays an important role for the defensive innings</a:t>
             </a:r>
           </a:p>
           <a:p>
             <a:pPr lvl="1"/>
             <a:r>
-              <a:rPr lang="hr-HR" altLang="zh-TW" sz="2400" dirty="0"/>
-              <a:t>34.1 = </a:t>
-            </a:r>
-            <a:r>
-              <a:rPr lang="ru-RU" altLang="zh-TW" sz="2400" dirty="0"/>
-              <a:t>34</a:t>
-            </a:r>
-            <a:r>
-              <a:rPr lang="en-US" altLang="zh-TW" sz="2400" baseline="30000" dirty="0"/>
-              <a:t>1</a:t>
-            </a:r>
-            <a:r>
-              <a:rPr lang="en-US" altLang="zh-TW" sz="2400" dirty="0"/>
-              <a:t>⁄</a:t>
-            </a:r>
-            <a:r>
-              <a:rPr lang="en-US" altLang="zh-TW" sz="2400" baseline="-25000" dirty="0"/>
-              <a:t>3</a:t>
-            </a:r>
-            <a:r>
-              <a:rPr lang="en-US" altLang="zh-TW" sz="2400" dirty="0"/>
-              <a:t> innings</a:t>
+              <a:rPr kumimoji="1" lang="en-US" altLang="zh-TW" dirty="0"/>
+              <a:t>Every baseball game (except steals) starts from pitching</a:t>
             </a:r>
           </a:p>
           <a:p>
             <a:pPr lvl="1"/>
             <a:r>
-              <a:rPr lang="hr-HR" altLang="zh-TW" sz="2400" dirty="0"/>
-              <a:t>72.2 = </a:t>
-            </a:r>
-            <a:r>
-              <a:rPr lang="en-US" altLang="zh-TW" sz="2400" dirty="0"/>
-              <a:t>72</a:t>
-            </a:r>
-            <a:r>
-              <a:rPr lang="en-US" altLang="zh-TW" sz="2400" baseline="30000" dirty="0"/>
-              <a:t>2</a:t>
-            </a:r>
-            <a:r>
-              <a:rPr lang="en-US" altLang="zh-TW" sz="2400" dirty="0"/>
-              <a:t>⁄</a:t>
-            </a:r>
-            <a:r>
-              <a:rPr lang="en-US" altLang="zh-TW" sz="2400" baseline="-25000" dirty="0"/>
-              <a:t>3</a:t>
-            </a:r>
-            <a:r>
-              <a:rPr lang="en-US" altLang="zh-TW" sz="2400" dirty="0"/>
-              <a:t> innings</a:t>
-            </a:r>
-          </a:p>
-          <a:p>
-            <a:r>
-              <a:rPr lang="en-US" altLang="zh-TW" dirty="0"/>
-              <a:t>Data transform in this database:</a:t>
+              <a:rPr kumimoji="1" lang="en-US" altLang="zh-TW" dirty="0"/>
+              <a:t>Only pitcher can take the initiative, direct control of striker</a:t>
             </a:r>
           </a:p>
           <a:p>
             <a:pPr lvl="1"/>
-            <a:r>
-              <a:rPr lang="en-US" altLang="zh-TW" sz="2400" dirty="0" err="1"/>
-              <a:t>IPOuts</a:t>
-            </a:r>
-            <a:r>
-              <a:rPr lang="en-US" altLang="zh-TW" sz="2400" dirty="0"/>
-              <a:t> = IP*3</a:t>
-            </a:r>
-          </a:p>
-          <a:p>
-            <a:pPr lvl="1"/>
-            <a:endParaRPr lang="en-US" altLang="zh-TW" dirty="0"/>
-          </a:p>
-          <a:p>
-            <a:endParaRPr lang="zh-TW" altLang="en-US" dirty="0"/>
+            <a:endParaRPr kumimoji="1" lang="en-US" altLang="zh-TW" dirty="0"/>
+          </a:p>
+          <a:p>
+            <a:r>
+              <a:rPr kumimoji="1" lang="en-US" altLang="zh-TW" dirty="0"/>
+              <a:t>A pitcher is good or bad, will affect a team to win a game.</a:t>
+            </a:r>
           </a:p>
         </p:txBody>
       </p:sp>
     </p:spTree>
     <p:extLst>
       <p:ext uri="{BB962C8B-B14F-4D97-AF65-F5344CB8AC3E}">
-        <p14:creationId xmlns:p14="http://schemas.microsoft.com/office/powerpoint/2010/main" val="2923678397"/>
+        <p14:creationId xmlns:p14="http://schemas.microsoft.com/office/powerpoint/2010/main" val="955694859"/>
       </p:ext>
     </p:extLst>
   </p:cSld>
@@ -5171,22 +5662,12 @@
         </p:nvSpPr>
         <p:spPr/>
         <p:txBody>
-          <a:bodyPr>
-            <a:normAutofit fontScale="90000"/>
-          </a:bodyPr>
+          <a:bodyPr/>
           <a:lstStyle/>
           <a:p>
             <a:r>
-              <a:rPr kumimoji="1" lang="en-US" altLang="zh-TW" dirty="0"/>
-              <a:t>Pitcher data analysis</a:t>
-            </a:r>
-            <a:r>
-              <a:rPr kumimoji="1" lang="zh-TW" altLang="en-US" dirty="0"/>
-              <a:t> </a:t>
-            </a:r>
-            <a:r>
-              <a:rPr kumimoji="1" lang="en-US" altLang="zh-TW" dirty="0"/>
-              <a:t>(for all pitcher)</a:t>
+              <a:rPr lang="en-US" altLang="zh-TW" dirty="0"/>
+              <a:t>Data wrangling - Pitching</a:t>
             </a:r>
             <a:endParaRPr lang="zh-TW" altLang="en-US" dirty="0"/>
           </a:p>
@@ -5194,7 +5675,7 @@
       </p:sp>
       <p:sp>
         <p:nvSpPr>
-          <p:cNvPr id="3" name="內容版面配置區 2"/>
+          <p:cNvPr id="5" name="內容版面配置區 2"/>
           <p:cNvSpPr>
             <a:spLocks noGrp="1"/>
           </p:cNvSpPr>
@@ -5202,295 +5683,500 @@
             <p:ph idx="1"/>
           </p:nvPr>
         </p:nvSpPr>
-        <p:spPr/>
+        <p:spPr>
+          <a:xfrm>
+            <a:off x="347661" y="1681786"/>
+            <a:ext cx="5140569" cy="4801314"/>
+          </a:xfrm>
+        </p:spPr>
         <p:txBody>
           <a:bodyPr>
-            <a:normAutofit fontScale="62500" lnSpcReduction="20000"/>
+            <a:noAutofit/>
           </a:bodyPr>
           <a:lstStyle/>
           <a:p>
-            <a:r>
-              <a:rPr lang="en-US" altLang="zh-TW" b="1" dirty="0"/>
-              <a:t>Winning Percentage </a:t>
-            </a:r>
-            <a:r>
-              <a:rPr lang="en-US" altLang="zh-TW" dirty="0"/>
-              <a:t>(WPCT): </a:t>
-            </a:r>
-          </a:p>
-          <a:p>
-            <a:pPr lvl="1"/>
-            <a:r>
-              <a:rPr lang="en-US" altLang="zh-TW" dirty="0">
-                <a:solidFill>
-                  <a:srgbClr val="FFFF99"/>
-                </a:solidFill>
-              </a:rPr>
-              <a:t>WPCT = W / (W+L)</a:t>
-            </a:r>
-          </a:p>
-          <a:p>
-            <a:r>
-              <a:rPr lang="en-US" altLang="zh-TW" b="1" dirty="0"/>
-              <a:t>Earned Run Average</a:t>
-            </a:r>
-            <a:r>
-              <a:rPr lang="zh-TW" altLang="en-US" b="1" dirty="0"/>
-              <a:t> </a:t>
-            </a:r>
-            <a:r>
-              <a:rPr lang="en-US" altLang="zh-TW" dirty="0"/>
-              <a:t>(ERA): </a:t>
-            </a:r>
-          </a:p>
-          <a:p>
-            <a:pPr lvl="1"/>
-            <a:r>
-              <a:rPr lang="en-US" altLang="zh-TW" dirty="0">
-                <a:solidFill>
-                  <a:srgbClr val="FFFF99"/>
-                </a:solidFill>
-              </a:rPr>
-              <a:t>ERA = (ER*9) / (</a:t>
-            </a:r>
-            <a:r>
-              <a:rPr lang="en-US" altLang="zh-TW" dirty="0" err="1">
-                <a:solidFill>
-                  <a:srgbClr val="FFFF99"/>
-                </a:solidFill>
-              </a:rPr>
-              <a:t>IPOut</a:t>
-            </a:r>
-            <a:r>
-              <a:rPr lang="en-US" altLang="zh-TW" dirty="0">
-                <a:solidFill>
-                  <a:srgbClr val="FFFF99"/>
-                </a:solidFill>
-              </a:rPr>
-              <a:t>/3)</a:t>
-            </a:r>
-          </a:p>
-          <a:p>
-            <a:r>
-              <a:rPr lang="en-US" altLang="zh-TW" b="1" dirty="0"/>
-              <a:t>Walks plus hits per inning pitched </a:t>
-            </a:r>
-            <a:r>
-              <a:rPr lang="en-US" altLang="zh-TW" dirty="0"/>
-              <a:t>(WHIP):</a:t>
-            </a:r>
-          </a:p>
-          <a:p>
-            <a:pPr lvl="1"/>
-            <a:r>
-              <a:rPr lang="en-US" altLang="zh-TW" dirty="0">
-                <a:solidFill>
-                  <a:srgbClr val="FFFF99"/>
-                </a:solidFill>
-              </a:rPr>
-              <a:t>WHIP = (H + BB) / (</a:t>
-            </a:r>
-            <a:r>
-              <a:rPr lang="en-US" altLang="zh-TW" dirty="0" err="1">
-                <a:solidFill>
-                  <a:srgbClr val="FFFF99"/>
-                </a:solidFill>
-              </a:rPr>
-              <a:t>IPOut</a:t>
-            </a:r>
-            <a:r>
-              <a:rPr lang="en-US" altLang="zh-TW" dirty="0">
-                <a:solidFill>
-                  <a:srgbClr val="FFFF99"/>
-                </a:solidFill>
-              </a:rPr>
-              <a:t>/3)</a:t>
-            </a:r>
-          </a:p>
-          <a:p>
-            <a:r>
-              <a:rPr lang="en-US" altLang="zh-TW" b="1" dirty="0"/>
-              <a:t>Strikeouts per nine innings </a:t>
-            </a:r>
-            <a:r>
-              <a:rPr lang="en-US" altLang="zh-TW" dirty="0"/>
-              <a:t>(K/9): </a:t>
-            </a:r>
-          </a:p>
-          <a:p>
-            <a:pPr lvl="1"/>
-            <a:r>
-              <a:rPr lang="en-US" altLang="zh-TW" dirty="0">
-                <a:solidFill>
-                  <a:srgbClr val="FFFF99"/>
-                </a:solidFill>
-              </a:rPr>
-              <a:t>K/9 = (SO*9) / (</a:t>
-            </a:r>
-            <a:r>
-              <a:rPr lang="en-US" altLang="zh-TW" dirty="0" err="1">
-                <a:solidFill>
-                  <a:srgbClr val="FFFF99"/>
-                </a:solidFill>
-              </a:rPr>
-              <a:t>IPOut</a:t>
-            </a:r>
-            <a:r>
-              <a:rPr lang="en-US" altLang="zh-TW" dirty="0">
-                <a:solidFill>
-                  <a:srgbClr val="FFFF99"/>
-                </a:solidFill>
-              </a:rPr>
-              <a:t>/3)</a:t>
-            </a:r>
-          </a:p>
-          <a:p>
-            <a:r>
-              <a:rPr lang="en-US" altLang="zh-TW" b="1" dirty="0"/>
-              <a:t>Base on balls </a:t>
-            </a:r>
-            <a:r>
-              <a:rPr lang="en-US" altLang="zh-TW" dirty="0"/>
-              <a:t>(BB/9): </a:t>
-            </a:r>
-          </a:p>
-          <a:p>
-            <a:pPr lvl="1"/>
-            <a:r>
-              <a:rPr lang="en-US" altLang="zh-TW" dirty="0">
-                <a:solidFill>
-                  <a:srgbClr val="FFFF99"/>
-                </a:solidFill>
-              </a:rPr>
-              <a:t>BB/9 = (BB*9) / (</a:t>
-            </a:r>
-            <a:r>
-              <a:rPr lang="en-US" altLang="zh-TW" dirty="0" err="1">
-                <a:solidFill>
-                  <a:srgbClr val="FFFF99"/>
-                </a:solidFill>
-              </a:rPr>
-              <a:t>IPOut</a:t>
-            </a:r>
-            <a:r>
-              <a:rPr lang="en-US" altLang="zh-TW" dirty="0">
-                <a:solidFill>
-                  <a:srgbClr val="FFFF99"/>
-                </a:solidFill>
-              </a:rPr>
-              <a:t>/3)</a:t>
-            </a:r>
-          </a:p>
-          <a:p>
-            <a:r>
-              <a:rPr lang="en-US" altLang="zh-TW" b="1" dirty="0"/>
-              <a:t>Strikeout-to-walk ratio </a:t>
-            </a:r>
-            <a:r>
-              <a:rPr lang="en-US" altLang="zh-TW" dirty="0"/>
-              <a:t>(K/BB): </a:t>
-            </a:r>
-          </a:p>
-          <a:p>
-            <a:pPr lvl="1"/>
-            <a:r>
-              <a:rPr lang="en-US" altLang="zh-TW" dirty="0">
-                <a:solidFill>
-                  <a:srgbClr val="FFFF99"/>
-                </a:solidFill>
-              </a:rPr>
-              <a:t>K/BB = SO / BB</a:t>
-            </a:r>
-          </a:p>
-          <a:p>
-            <a:r>
-              <a:rPr lang="en-US" altLang="zh-TW" b="1" dirty="0"/>
-              <a:t>Hits per nine innings </a:t>
-            </a:r>
-            <a:r>
-              <a:rPr lang="en-US" altLang="zh-TW" dirty="0"/>
-              <a:t>(H/9): </a:t>
-            </a:r>
-          </a:p>
-          <a:p>
-            <a:pPr lvl="1"/>
-            <a:r>
-              <a:rPr lang="en-US" altLang="zh-TW" dirty="0">
-                <a:solidFill>
-                  <a:srgbClr val="FFFF99"/>
-                </a:solidFill>
-              </a:rPr>
-              <a:t>H/9 = (H*9) / (</a:t>
-            </a:r>
-            <a:r>
-              <a:rPr lang="en-US" altLang="zh-TW" dirty="0" err="1">
-                <a:solidFill>
-                  <a:srgbClr val="FFFF99"/>
-                </a:solidFill>
-              </a:rPr>
-              <a:t>IPOut</a:t>
-            </a:r>
-            <a:r>
-              <a:rPr lang="en-US" altLang="zh-TW" dirty="0">
-                <a:solidFill>
-                  <a:srgbClr val="FFFF99"/>
-                </a:solidFill>
-              </a:rPr>
-              <a:t>/3)</a:t>
-            </a:r>
-          </a:p>
-          <a:p>
-            <a:r>
-              <a:rPr lang="en-US" altLang="zh-TW" b="1" dirty="0"/>
-              <a:t>Run Average </a:t>
-            </a:r>
-            <a:r>
-              <a:rPr lang="en-US" altLang="zh-TW" dirty="0"/>
-              <a:t>(RA): </a:t>
-            </a:r>
-          </a:p>
-          <a:p>
-            <a:pPr lvl="1"/>
-            <a:r>
-              <a:rPr lang="en-US" altLang="zh-TW" dirty="0">
-                <a:solidFill>
-                  <a:srgbClr val="FFFF99"/>
-                </a:solidFill>
-              </a:rPr>
-              <a:t>RA = (R*9) / (</a:t>
-            </a:r>
-            <a:r>
-              <a:rPr lang="en-US" altLang="zh-TW" dirty="0" err="1">
-                <a:solidFill>
-                  <a:srgbClr val="FFFF99"/>
-                </a:solidFill>
-              </a:rPr>
-              <a:t>IPOut</a:t>
-            </a:r>
-            <a:r>
-              <a:rPr lang="en-US" altLang="zh-TW" dirty="0">
-                <a:solidFill>
-                  <a:srgbClr val="FFFF99"/>
-                </a:solidFill>
-              </a:rPr>
-              <a:t>/3) </a:t>
-            </a:r>
-          </a:p>
-          <a:p>
-            <a:endParaRPr lang="zh-TW" altLang="en-US" dirty="0"/>
+            <a:pPr>
+              <a:buFont typeface="Wingdings" panose="05000000000000000000" pitchFamily="2" charset="2"/>
+              <a:buChar char="n"/>
+            </a:pPr>
+            <a:r>
+              <a:rPr lang="en-US" altLang="zh-TW" sz="1600" dirty="0" err="1">
+                <a:solidFill>
+                  <a:srgbClr val="FF0000"/>
+                </a:solidFill>
+              </a:rPr>
+              <a:t>playerID</a:t>
+            </a:r>
+            <a:r>
+              <a:rPr lang="en-US" altLang="zh-TW" sz="1600" dirty="0">
+                <a:solidFill>
+                  <a:srgbClr val="FF0000"/>
+                </a:solidFill>
+              </a:rPr>
+              <a:t>       Player ID code</a:t>
+            </a:r>
+          </a:p>
+          <a:p>
+            <a:pPr>
+              <a:buFont typeface="Wingdings" panose="05000000000000000000" pitchFamily="2" charset="2"/>
+              <a:buChar char="n"/>
+            </a:pPr>
+            <a:r>
+              <a:rPr lang="en-US" altLang="zh-TW" sz="1600" dirty="0" err="1">
+                <a:solidFill>
+                  <a:srgbClr val="FF0000"/>
+                </a:solidFill>
+              </a:rPr>
+              <a:t>yearID</a:t>
+            </a:r>
+            <a:r>
+              <a:rPr lang="en-US" altLang="zh-TW" sz="1600" dirty="0">
+                <a:solidFill>
+                  <a:srgbClr val="FF0000"/>
+                </a:solidFill>
+              </a:rPr>
+              <a:t>         Year</a:t>
+            </a:r>
+          </a:p>
+          <a:p>
+            <a:pPr>
+              <a:buFont typeface="Wingdings" panose="05000000000000000000" pitchFamily="2" charset="2"/>
+              <a:buChar char="n"/>
+            </a:pPr>
+            <a:r>
+              <a:rPr lang="en-US" altLang="zh-TW" sz="1600" dirty="0"/>
+              <a:t>stint          player's stint </a:t>
+            </a:r>
+          </a:p>
+          <a:p>
+            <a:pPr>
+              <a:buFont typeface="Wingdings" panose="05000000000000000000" pitchFamily="2" charset="2"/>
+              <a:buChar char="n"/>
+            </a:pPr>
+            <a:r>
+              <a:rPr lang="en-US" altLang="zh-TW" sz="1600" dirty="0" err="1">
+                <a:solidFill>
+                  <a:srgbClr val="FF0000"/>
+                </a:solidFill>
+              </a:rPr>
+              <a:t>teamID</a:t>
+            </a:r>
+            <a:r>
+              <a:rPr lang="en-US" altLang="zh-TW" sz="1600" dirty="0">
+                <a:solidFill>
+                  <a:srgbClr val="FF0000"/>
+                </a:solidFill>
+              </a:rPr>
+              <a:t>         Team</a:t>
+            </a:r>
+          </a:p>
+          <a:p>
+            <a:pPr>
+              <a:buFont typeface="Wingdings" panose="05000000000000000000" pitchFamily="2" charset="2"/>
+              <a:buChar char="n"/>
+            </a:pPr>
+            <a:r>
+              <a:rPr lang="en-US" altLang="zh-TW" sz="1600" dirty="0" err="1"/>
+              <a:t>lgID</a:t>
+            </a:r>
+            <a:r>
+              <a:rPr lang="en-US" altLang="zh-TW" sz="1600" dirty="0"/>
+              <a:t>           League</a:t>
+            </a:r>
+          </a:p>
+          <a:p>
+            <a:pPr>
+              <a:buFont typeface="Wingdings" panose="05000000000000000000" pitchFamily="2" charset="2"/>
+              <a:buChar char="n"/>
+            </a:pPr>
+            <a:r>
+              <a:rPr lang="en-US" altLang="zh-TW" sz="1600" dirty="0">
+                <a:solidFill>
+                  <a:srgbClr val="FF0000"/>
+                </a:solidFill>
+              </a:rPr>
+              <a:t>W              Wins</a:t>
+            </a:r>
+          </a:p>
+          <a:p>
+            <a:pPr>
+              <a:buFont typeface="Wingdings" panose="05000000000000000000" pitchFamily="2" charset="2"/>
+              <a:buChar char="n"/>
+            </a:pPr>
+            <a:r>
+              <a:rPr lang="en-US" altLang="zh-TW" sz="1600" dirty="0">
+                <a:solidFill>
+                  <a:srgbClr val="FF0000"/>
+                </a:solidFill>
+              </a:rPr>
+              <a:t>L              Losses</a:t>
+            </a:r>
+          </a:p>
+          <a:p>
+            <a:pPr>
+              <a:buFont typeface="Wingdings" panose="05000000000000000000" pitchFamily="2" charset="2"/>
+              <a:buChar char="n"/>
+            </a:pPr>
+            <a:r>
+              <a:rPr lang="en-US" altLang="zh-TW" sz="1600" dirty="0"/>
+              <a:t>G              Games</a:t>
+            </a:r>
+          </a:p>
+          <a:p>
+            <a:pPr>
+              <a:buFont typeface="Wingdings" panose="05000000000000000000" pitchFamily="2" charset="2"/>
+              <a:buChar char="n"/>
+            </a:pPr>
+            <a:r>
+              <a:rPr lang="en-US" altLang="zh-TW" sz="1600" dirty="0"/>
+              <a:t>GS             Games Started</a:t>
+            </a:r>
+          </a:p>
+          <a:p>
+            <a:pPr>
+              <a:buFont typeface="Wingdings" panose="05000000000000000000" pitchFamily="2" charset="2"/>
+              <a:buChar char="n"/>
+            </a:pPr>
+            <a:r>
+              <a:rPr lang="en-US" altLang="zh-TW" sz="1600" dirty="0"/>
+              <a:t>CG             Complete Games </a:t>
+            </a:r>
+          </a:p>
+          <a:p>
+            <a:pPr>
+              <a:buFont typeface="Wingdings" panose="05000000000000000000" pitchFamily="2" charset="2"/>
+              <a:buChar char="n"/>
+            </a:pPr>
+            <a:r>
+              <a:rPr lang="en-US" altLang="zh-TW" sz="1600" dirty="0"/>
+              <a:t>SHO            Shutouts</a:t>
+            </a:r>
+          </a:p>
+          <a:p>
+            <a:pPr>
+              <a:buFont typeface="Wingdings" panose="05000000000000000000" pitchFamily="2" charset="2"/>
+              <a:buChar char="n"/>
+            </a:pPr>
+            <a:r>
+              <a:rPr lang="en-US" altLang="zh-TW" sz="1600" dirty="0"/>
+              <a:t>SV             Saves</a:t>
+            </a:r>
+          </a:p>
+          <a:p>
+            <a:pPr>
+              <a:buFont typeface="Wingdings" panose="05000000000000000000" pitchFamily="2" charset="2"/>
+              <a:buChar char="n"/>
+            </a:pPr>
+            <a:r>
+              <a:rPr lang="en-US" altLang="zh-TW" sz="1600" dirty="0" err="1">
+                <a:solidFill>
+                  <a:srgbClr val="FF0000"/>
+                </a:solidFill>
+              </a:rPr>
+              <a:t>IPOuts</a:t>
+            </a:r>
+            <a:r>
+              <a:rPr lang="en-US" altLang="zh-TW" sz="1600" dirty="0">
+                <a:solidFill>
+                  <a:srgbClr val="FF0000"/>
+                </a:solidFill>
+              </a:rPr>
+              <a:t>         Outs Pitched </a:t>
+            </a:r>
+          </a:p>
+          <a:p>
+            <a:pPr>
+              <a:buFont typeface="Wingdings" panose="05000000000000000000" pitchFamily="2" charset="2"/>
+              <a:buChar char="n"/>
+            </a:pPr>
+            <a:r>
+              <a:rPr lang="en-US" altLang="zh-TW" sz="1600" dirty="0">
+                <a:solidFill>
+                  <a:srgbClr val="FF0000"/>
+                </a:solidFill>
+              </a:rPr>
+              <a:t>H              Hits</a:t>
+            </a:r>
+            <a:endParaRPr lang="zh-TW" altLang="en-US" sz="1600" dirty="0"/>
+          </a:p>
+        </p:txBody>
+      </p:sp>
+      <p:sp>
+        <p:nvSpPr>
+          <p:cNvPr id="6" name="矩形 5"/>
+          <p:cNvSpPr/>
+          <p:nvPr/>
+        </p:nvSpPr>
+        <p:spPr>
+          <a:xfrm>
+            <a:off x="3350360" y="1681786"/>
+            <a:ext cx="6096000" cy="4031873"/>
+          </a:xfrm>
+          <a:prstGeom prst="rect">
+            <a:avLst/>
+          </a:prstGeom>
+        </p:spPr>
+        <p:txBody>
+          <a:bodyPr>
+            <a:spAutoFit/>
+          </a:bodyPr>
+          <a:lstStyle/>
+          <a:p>
+            <a:pPr marL="285750" indent="-285750">
+              <a:buFont typeface="Wingdings" panose="05000000000000000000" pitchFamily="2" charset="2"/>
+              <a:buChar char="n"/>
+            </a:pPr>
+            <a:r>
+              <a:rPr lang="en-US" altLang="zh-TW" sz="1600" dirty="0">
+                <a:solidFill>
+                  <a:srgbClr val="FF0000"/>
+                </a:solidFill>
+              </a:rPr>
+              <a:t>ER             Earned Runs</a:t>
+            </a:r>
+          </a:p>
+          <a:p>
+            <a:pPr marL="285750" indent="-285750">
+              <a:buFont typeface="Wingdings" panose="05000000000000000000" pitchFamily="2" charset="2"/>
+              <a:buChar char="n"/>
+            </a:pPr>
+            <a:r>
+              <a:rPr lang="en-US" altLang="zh-TW" sz="1600" dirty="0">
+                <a:solidFill>
+                  <a:schemeClr val="bg1"/>
+                </a:solidFill>
+              </a:rPr>
+              <a:t>HR             Homeruns</a:t>
+            </a:r>
+          </a:p>
+          <a:p>
+            <a:pPr marL="285750" indent="-285750">
+              <a:buFont typeface="Wingdings" panose="05000000000000000000" pitchFamily="2" charset="2"/>
+              <a:buChar char="n"/>
+            </a:pPr>
+            <a:r>
+              <a:rPr lang="en-US" altLang="zh-TW" sz="1600" dirty="0">
+                <a:solidFill>
+                  <a:srgbClr val="FF0000"/>
+                </a:solidFill>
+              </a:rPr>
+              <a:t>BB             Walks</a:t>
+            </a:r>
+          </a:p>
+          <a:p>
+            <a:pPr marL="285750" indent="-285750">
+              <a:buFont typeface="Wingdings" panose="05000000000000000000" pitchFamily="2" charset="2"/>
+              <a:buChar char="n"/>
+            </a:pPr>
+            <a:r>
+              <a:rPr lang="en-US" altLang="zh-TW" sz="1600" dirty="0">
+                <a:solidFill>
+                  <a:srgbClr val="FF0000"/>
+                </a:solidFill>
+              </a:rPr>
+              <a:t>SO             Strikeouts</a:t>
+            </a:r>
+          </a:p>
+          <a:p>
+            <a:pPr marL="285750" indent="-285750">
+              <a:buFont typeface="Wingdings" panose="05000000000000000000" pitchFamily="2" charset="2"/>
+              <a:buChar char="n"/>
+            </a:pPr>
+            <a:r>
+              <a:rPr lang="en-US" altLang="zh-TW" sz="1600" dirty="0" err="1">
+                <a:solidFill>
+                  <a:schemeClr val="bg1"/>
+                </a:solidFill>
+              </a:rPr>
+              <a:t>BAOpp</a:t>
+            </a:r>
+            <a:r>
+              <a:rPr lang="en-US" altLang="zh-TW" sz="1600" dirty="0">
+                <a:solidFill>
+                  <a:schemeClr val="bg1"/>
+                </a:solidFill>
+              </a:rPr>
+              <a:t>          Opponent's Batting Average</a:t>
+            </a:r>
+          </a:p>
+          <a:p>
+            <a:pPr marL="285750" indent="-285750">
+              <a:buFont typeface="Wingdings" panose="05000000000000000000" pitchFamily="2" charset="2"/>
+              <a:buChar char="n"/>
+            </a:pPr>
+            <a:r>
+              <a:rPr lang="en-US" altLang="zh-TW" sz="1600" dirty="0">
+                <a:solidFill>
+                  <a:schemeClr val="bg1"/>
+                </a:solidFill>
+              </a:rPr>
+              <a:t>ERA            Earned Run Average</a:t>
+            </a:r>
+          </a:p>
+          <a:p>
+            <a:pPr marL="285750" indent="-285750">
+              <a:buFont typeface="Wingdings" panose="05000000000000000000" pitchFamily="2" charset="2"/>
+              <a:buChar char="n"/>
+            </a:pPr>
+            <a:r>
+              <a:rPr lang="en-US" altLang="zh-TW" sz="1600" dirty="0">
+                <a:solidFill>
+                  <a:schemeClr val="bg1"/>
+                </a:solidFill>
+              </a:rPr>
+              <a:t>IBB            Intentional Walks</a:t>
+            </a:r>
+          </a:p>
+          <a:p>
+            <a:pPr marL="285750" indent="-285750">
+              <a:buFont typeface="Wingdings" panose="05000000000000000000" pitchFamily="2" charset="2"/>
+              <a:buChar char="n"/>
+            </a:pPr>
+            <a:r>
+              <a:rPr lang="en-US" altLang="zh-TW" sz="1600" dirty="0">
+                <a:solidFill>
+                  <a:schemeClr val="bg1"/>
+                </a:solidFill>
+              </a:rPr>
+              <a:t>WP             Wild Pitches</a:t>
+            </a:r>
+          </a:p>
+          <a:p>
+            <a:pPr marL="285750" indent="-285750">
+              <a:buFont typeface="Wingdings" panose="05000000000000000000" pitchFamily="2" charset="2"/>
+              <a:buChar char="n"/>
+            </a:pPr>
+            <a:r>
+              <a:rPr lang="en-US" altLang="zh-TW" sz="1600" dirty="0">
+                <a:solidFill>
+                  <a:schemeClr val="bg1"/>
+                </a:solidFill>
+              </a:rPr>
+              <a:t>HBP            Batters Hit By Pitch</a:t>
+            </a:r>
+          </a:p>
+          <a:p>
+            <a:pPr marL="285750" indent="-285750">
+              <a:buFont typeface="Wingdings" panose="05000000000000000000" pitchFamily="2" charset="2"/>
+              <a:buChar char="n"/>
+            </a:pPr>
+            <a:r>
+              <a:rPr lang="en-US" altLang="zh-TW" sz="1600" dirty="0">
+                <a:solidFill>
+                  <a:schemeClr val="bg1"/>
+                </a:solidFill>
+              </a:rPr>
+              <a:t>BK             Balks</a:t>
+            </a:r>
+          </a:p>
+          <a:p>
+            <a:pPr marL="285750" indent="-285750">
+              <a:buFont typeface="Wingdings" panose="05000000000000000000" pitchFamily="2" charset="2"/>
+              <a:buChar char="n"/>
+            </a:pPr>
+            <a:r>
+              <a:rPr lang="en-US" altLang="zh-TW" sz="1600" dirty="0">
+                <a:solidFill>
+                  <a:schemeClr val="bg1"/>
+                </a:solidFill>
+              </a:rPr>
+              <a:t>BFP            Batters faced by Pitcher</a:t>
+            </a:r>
+          </a:p>
+          <a:p>
+            <a:pPr marL="285750" indent="-285750">
+              <a:buFont typeface="Wingdings" panose="05000000000000000000" pitchFamily="2" charset="2"/>
+              <a:buChar char="n"/>
+            </a:pPr>
+            <a:r>
+              <a:rPr lang="en-US" altLang="zh-TW" sz="1600" dirty="0">
+                <a:solidFill>
+                  <a:schemeClr val="bg1"/>
+                </a:solidFill>
+              </a:rPr>
+              <a:t>GF             Games Finished</a:t>
+            </a:r>
+          </a:p>
+          <a:p>
+            <a:pPr marL="285750" indent="-285750">
+              <a:buFont typeface="Wingdings" panose="05000000000000000000" pitchFamily="2" charset="2"/>
+              <a:buChar char="n"/>
+            </a:pPr>
+            <a:r>
+              <a:rPr lang="en-US" altLang="zh-TW" sz="1600" dirty="0">
+                <a:solidFill>
+                  <a:srgbClr val="FF0000"/>
+                </a:solidFill>
+              </a:rPr>
+              <a:t>R              Runs Allowed</a:t>
+            </a:r>
+          </a:p>
+          <a:p>
+            <a:pPr marL="285750" indent="-285750">
+              <a:buFont typeface="Wingdings" panose="05000000000000000000" pitchFamily="2" charset="2"/>
+              <a:buChar char="n"/>
+            </a:pPr>
+            <a:r>
+              <a:rPr lang="en-US" altLang="zh-TW" sz="1600" dirty="0">
+                <a:solidFill>
+                  <a:schemeClr val="bg1"/>
+                </a:solidFill>
+              </a:rPr>
+              <a:t>SH             Sacrifices by opposing batters</a:t>
+            </a:r>
+          </a:p>
+          <a:p>
+            <a:pPr marL="285750" indent="-285750">
+              <a:buFont typeface="Wingdings" panose="05000000000000000000" pitchFamily="2" charset="2"/>
+              <a:buChar char="n"/>
+            </a:pPr>
+            <a:r>
+              <a:rPr lang="en-US" altLang="zh-TW" sz="1600" dirty="0">
+                <a:solidFill>
+                  <a:schemeClr val="bg1"/>
+                </a:solidFill>
+              </a:rPr>
+              <a:t>SF             Sacrifice flies by opposing batters</a:t>
+            </a:r>
+          </a:p>
+          <a:p>
+            <a:pPr marL="285750" indent="-285750">
+              <a:buFont typeface="Wingdings" panose="05000000000000000000" pitchFamily="2" charset="2"/>
+              <a:buChar char="n"/>
+            </a:pPr>
+            <a:r>
+              <a:rPr lang="en-US" altLang="zh-TW" sz="1600" dirty="0">
+                <a:solidFill>
+                  <a:schemeClr val="bg1"/>
+                </a:solidFill>
+              </a:rPr>
+              <a:t>GIDP           Grounded into double plays by opposing batter</a:t>
+            </a:r>
+            <a:endParaRPr lang="zh-TW" altLang="en-US" sz="1600" dirty="0">
+              <a:solidFill>
+                <a:schemeClr val="bg1"/>
+              </a:solidFill>
+            </a:endParaRPr>
           </a:p>
         </p:txBody>
       </p:sp>
     </p:spTree>
     <p:extLst>
       <p:ext uri="{BB962C8B-B14F-4D97-AF65-F5344CB8AC3E}">
-        <p14:creationId xmlns:p14="http://schemas.microsoft.com/office/powerpoint/2010/main" val="1392588178"/>
+        <p14:creationId xmlns:p14="http://schemas.microsoft.com/office/powerpoint/2010/main" val="2598648906"/>
       </p:ext>
     </p:extLst>
   </p:cSld>
   <p:clrMapOvr>
     <a:masterClrMapping/>
   </p:clrMapOvr>
+  <p:timing>
+    <p:tnLst>
+      <p:par>
+        <p:cTn id="1" dur="indefinite" restart="never" nodeType="tmRoot"/>
+      </p:par>
+    </p:tnLst>
+  </p:timing>
 </p:sld>
 </file>
 
@@ -5527,16 +6213,16 @@
           <a:lstStyle/>
           <a:p>
             <a:r>
-              <a:rPr lang="en-US" altLang="zh-TW" dirty="0"/>
-              <a:t>Data wrangling - Pitching</a:t>
-            </a:r>
-            <a:endParaRPr lang="zh-TW" altLang="en-US" dirty="0"/>
-          </a:p>
-        </p:txBody>
-      </p:sp>
-      <p:sp>
-        <p:nvSpPr>
-          <p:cNvPr id="5" name="內容版面配置區 2"/>
+              <a:rPr kumimoji="1" lang="en-US" altLang="zh-TW" dirty="0"/>
+              <a:t>Concept clarification</a:t>
+            </a:r>
+            <a:endParaRPr kumimoji="1" lang="zh-TW" altLang="en-US" dirty="0"/>
+          </a:p>
+        </p:txBody>
+      </p:sp>
+      <p:sp>
+        <p:nvSpPr>
+          <p:cNvPr id="3" name="內容版面配置區 2"/>
           <p:cNvSpPr>
             <a:spLocks noGrp="1"/>
           </p:cNvSpPr>
@@ -5544,469 +6230,406 @@
             <p:ph idx="1"/>
           </p:nvPr>
         </p:nvSpPr>
-        <p:spPr>
-          <a:xfrm>
-            <a:off x="347661" y="1681786"/>
-            <a:ext cx="5140569" cy="4801314"/>
-          </a:xfrm>
-        </p:spPr>
+        <p:spPr/>
         <p:txBody>
           <a:bodyPr>
-            <a:noAutofit/>
+            <a:normAutofit lnSpcReduction="10000"/>
           </a:bodyPr>
           <a:lstStyle/>
           <a:p>
-            <a:pPr>
-              <a:buFont typeface="Wingdings" panose="05000000000000000000" pitchFamily="2" charset="2"/>
-              <a:buChar char="n"/>
-            </a:pPr>
-            <a:r>
-              <a:rPr lang="en-US" altLang="zh-TW" sz="1600" dirty="0" err="1"/>
-              <a:t>playerID</a:t>
-            </a:r>
-            <a:r>
-              <a:rPr lang="en-US" altLang="zh-TW" sz="1600" dirty="0"/>
-              <a:t>       Player ID code</a:t>
-            </a:r>
-          </a:p>
-          <a:p>
-            <a:pPr>
-              <a:buFont typeface="Wingdings" panose="05000000000000000000" pitchFamily="2" charset="2"/>
-              <a:buChar char="n"/>
-            </a:pPr>
-            <a:r>
-              <a:rPr lang="en-US" altLang="zh-TW" sz="1600" dirty="0" err="1"/>
-              <a:t>yearID</a:t>
-            </a:r>
-            <a:r>
-              <a:rPr lang="en-US" altLang="zh-TW" sz="1600" dirty="0"/>
-              <a:t>         Year</a:t>
-            </a:r>
-          </a:p>
-          <a:p>
-            <a:pPr>
-              <a:buFont typeface="Wingdings" panose="05000000000000000000" pitchFamily="2" charset="2"/>
-              <a:buChar char="n"/>
-            </a:pPr>
-            <a:r>
-              <a:rPr lang="en-US" altLang="zh-TW" sz="1600" dirty="0"/>
-              <a:t>stint          player's stint </a:t>
-            </a:r>
-          </a:p>
-          <a:p>
-            <a:pPr>
-              <a:buFont typeface="Wingdings" panose="05000000000000000000" pitchFamily="2" charset="2"/>
-              <a:buChar char="n"/>
-            </a:pPr>
-            <a:r>
-              <a:rPr lang="en-US" altLang="zh-TW" sz="1600" dirty="0" err="1"/>
-              <a:t>teamID</a:t>
-            </a:r>
-            <a:r>
-              <a:rPr lang="en-US" altLang="zh-TW" sz="1600" dirty="0"/>
-              <a:t>         Team</a:t>
-            </a:r>
-          </a:p>
-          <a:p>
-            <a:pPr>
-              <a:buFont typeface="Wingdings" panose="05000000000000000000" pitchFamily="2" charset="2"/>
-              <a:buChar char="n"/>
-            </a:pPr>
-            <a:r>
-              <a:rPr lang="en-US" altLang="zh-TW" sz="1600" dirty="0" err="1"/>
-              <a:t>lgID</a:t>
-            </a:r>
-            <a:r>
-              <a:rPr lang="en-US" altLang="zh-TW" sz="1600" dirty="0"/>
-              <a:t>           League</a:t>
-            </a:r>
-          </a:p>
-          <a:p>
-            <a:pPr>
-              <a:buFont typeface="Wingdings" panose="05000000000000000000" pitchFamily="2" charset="2"/>
-              <a:buChar char="n"/>
-            </a:pPr>
-            <a:r>
-              <a:rPr lang="en-US" altLang="zh-TW" sz="1600" dirty="0">
-                <a:solidFill>
-                  <a:srgbClr val="FF0000"/>
-                </a:solidFill>
-              </a:rPr>
-              <a:t>W              Wins</a:t>
-            </a:r>
-          </a:p>
-          <a:p>
-            <a:pPr>
-              <a:buFont typeface="Wingdings" panose="05000000000000000000" pitchFamily="2" charset="2"/>
-              <a:buChar char="n"/>
-            </a:pPr>
-            <a:r>
-              <a:rPr lang="en-US" altLang="zh-TW" sz="1600" dirty="0">
-                <a:solidFill>
-                  <a:srgbClr val="FF0000"/>
-                </a:solidFill>
-              </a:rPr>
-              <a:t>L              Losses</a:t>
-            </a:r>
-          </a:p>
-          <a:p>
-            <a:pPr>
-              <a:buFont typeface="Wingdings" panose="05000000000000000000" pitchFamily="2" charset="2"/>
-              <a:buChar char="n"/>
-            </a:pPr>
-            <a:r>
-              <a:rPr lang="en-US" altLang="zh-TW" sz="1600" dirty="0"/>
-              <a:t>G              Games</a:t>
-            </a:r>
-          </a:p>
-          <a:p>
-            <a:pPr>
-              <a:buFont typeface="Wingdings" panose="05000000000000000000" pitchFamily="2" charset="2"/>
-              <a:buChar char="n"/>
-            </a:pPr>
-            <a:r>
-              <a:rPr lang="en-US" altLang="zh-TW" sz="1600" dirty="0"/>
-              <a:t>GS             Games Started</a:t>
-            </a:r>
-          </a:p>
-          <a:p>
-            <a:pPr>
-              <a:buFont typeface="Wingdings" panose="05000000000000000000" pitchFamily="2" charset="2"/>
-              <a:buChar char="n"/>
-            </a:pPr>
-            <a:r>
-              <a:rPr lang="en-US" altLang="zh-TW" sz="1600" dirty="0"/>
-              <a:t>CG             Complete Games </a:t>
-            </a:r>
-          </a:p>
-          <a:p>
-            <a:pPr>
-              <a:buFont typeface="Wingdings" panose="05000000000000000000" pitchFamily="2" charset="2"/>
-              <a:buChar char="n"/>
-            </a:pPr>
-            <a:r>
-              <a:rPr lang="en-US" altLang="zh-TW" sz="1600" dirty="0"/>
-              <a:t>SHO            Shutouts</a:t>
-            </a:r>
-          </a:p>
-          <a:p>
-            <a:pPr>
-              <a:buFont typeface="Wingdings" panose="05000000000000000000" pitchFamily="2" charset="2"/>
-              <a:buChar char="n"/>
-            </a:pPr>
-            <a:r>
-              <a:rPr lang="en-US" altLang="zh-TW" sz="1600" dirty="0"/>
-              <a:t>SV             Saves</a:t>
-            </a:r>
-          </a:p>
-          <a:p>
-            <a:pPr>
-              <a:buFont typeface="Wingdings" panose="05000000000000000000" pitchFamily="2" charset="2"/>
-              <a:buChar char="n"/>
-            </a:pPr>
-            <a:r>
-              <a:rPr lang="en-US" altLang="zh-TW" sz="1600" dirty="0" err="1">
-                <a:solidFill>
-                  <a:srgbClr val="FF0000"/>
-                </a:solidFill>
-              </a:rPr>
+            <a:r>
+              <a:rPr lang="en-US" altLang="zh-TW" dirty="0"/>
+              <a:t>Innings pitched (IP)</a:t>
+            </a:r>
+          </a:p>
+          <a:p>
+            <a:pPr lvl="1"/>
+            <a:r>
+              <a:rPr lang="en-US" altLang="zh-TW" sz="2400" dirty="0"/>
+              <a:t>In baseball, innings pitched (IP) are the number of innings a pitcher has completed.</a:t>
+            </a:r>
+          </a:p>
+          <a:p>
+            <a:pPr lvl="1"/>
+            <a:r>
+              <a:rPr lang="en-US" altLang="zh-TW" sz="2400" dirty="0"/>
+              <a:t>If there are three players out,  the offensive and defensive should exchange.</a:t>
+            </a:r>
+          </a:p>
+          <a:p>
+            <a:r>
+              <a:rPr lang="en-US" altLang="zh-TW" dirty="0"/>
+              <a:t>Statistics are presented: (No more than 3 after the decimal point)</a:t>
+            </a:r>
+          </a:p>
+          <a:p>
+            <a:pPr lvl="1"/>
+            <a:r>
+              <a:rPr lang="hr-HR" altLang="zh-TW" sz="2400" dirty="0"/>
+              <a:t>34.1 = </a:t>
+            </a:r>
+            <a:r>
+              <a:rPr lang="ru-RU" altLang="zh-TW" sz="2400" dirty="0"/>
+              <a:t>34</a:t>
+            </a:r>
+            <a:r>
+              <a:rPr lang="en-US" altLang="zh-TW" sz="2400" baseline="30000" dirty="0"/>
+              <a:t>1</a:t>
+            </a:r>
+            <a:r>
+              <a:rPr lang="en-US" altLang="zh-TW" sz="2400" dirty="0"/>
+              <a:t>⁄</a:t>
+            </a:r>
+            <a:r>
+              <a:rPr lang="en-US" altLang="zh-TW" sz="2400" baseline="-25000" dirty="0"/>
+              <a:t>3</a:t>
+            </a:r>
+            <a:r>
+              <a:rPr lang="en-US" altLang="zh-TW" sz="2400" dirty="0"/>
+              <a:t> innings</a:t>
+            </a:r>
+          </a:p>
+          <a:p>
+            <a:pPr lvl="1"/>
+            <a:r>
+              <a:rPr lang="hr-HR" altLang="zh-TW" sz="2400" dirty="0"/>
+              <a:t>72.2 = </a:t>
+            </a:r>
+            <a:r>
+              <a:rPr lang="en-US" altLang="zh-TW" sz="2400" dirty="0"/>
+              <a:t>72</a:t>
+            </a:r>
+            <a:r>
+              <a:rPr lang="en-US" altLang="zh-TW" sz="2400" baseline="30000" dirty="0"/>
+              <a:t>2</a:t>
+            </a:r>
+            <a:r>
+              <a:rPr lang="en-US" altLang="zh-TW" sz="2400" dirty="0"/>
+              <a:t>⁄</a:t>
+            </a:r>
+            <a:r>
+              <a:rPr lang="en-US" altLang="zh-TW" sz="2400" baseline="-25000" dirty="0"/>
+              <a:t>3</a:t>
+            </a:r>
+            <a:r>
+              <a:rPr lang="en-US" altLang="zh-TW" sz="2400" dirty="0"/>
+              <a:t> innings</a:t>
+            </a:r>
+          </a:p>
+          <a:p>
+            <a:pPr lvl="1"/>
+            <a:endParaRPr lang="en-US" altLang="zh-TW" sz="2400" dirty="0"/>
+          </a:p>
+          <a:p>
+            <a:r>
+              <a:rPr lang="en-US" altLang="zh-TW" dirty="0"/>
+              <a:t>Data transform in this database:</a:t>
+            </a:r>
+          </a:p>
+          <a:p>
+            <a:pPr lvl="1"/>
+            <a:r>
+              <a:rPr lang="en-US" altLang="zh-TW" sz="2400" dirty="0" err="1"/>
               <a:t>IPOuts</a:t>
             </a:r>
             <a:r>
-              <a:rPr lang="en-US" altLang="zh-TW" sz="1600" dirty="0">
-                <a:solidFill>
-                  <a:srgbClr val="FF0000"/>
-                </a:solidFill>
-              </a:rPr>
-              <a:t>         Outs Pitched </a:t>
-            </a:r>
-          </a:p>
-          <a:p>
-            <a:pPr>
-              <a:buFont typeface="Wingdings" panose="05000000000000000000" pitchFamily="2" charset="2"/>
-              <a:buChar char="n"/>
-            </a:pPr>
-            <a:r>
-              <a:rPr lang="en-US" altLang="zh-TW" sz="1600" dirty="0">
-                <a:solidFill>
-                  <a:srgbClr val="FF0000"/>
-                </a:solidFill>
-              </a:rPr>
-              <a:t>H              Hits</a:t>
-            </a:r>
-            <a:endParaRPr lang="zh-TW" altLang="en-US" sz="1600" dirty="0"/>
-          </a:p>
-        </p:txBody>
-      </p:sp>
-      <p:sp>
-        <p:nvSpPr>
-          <p:cNvPr id="6" name="矩形 5"/>
-          <p:cNvSpPr/>
-          <p:nvPr/>
-        </p:nvSpPr>
-        <p:spPr>
-          <a:xfrm>
-            <a:off x="3350360" y="1681786"/>
-            <a:ext cx="6096000" cy="4031873"/>
-          </a:xfrm>
-          <a:prstGeom prst="rect">
-            <a:avLst/>
-          </a:prstGeom>
-        </p:spPr>
-        <p:txBody>
-          <a:bodyPr>
-            <a:spAutoFit/>
-          </a:bodyPr>
-          <a:lstStyle/>
-          <a:p>
-            <a:pPr marL="285750" indent="-285750">
-              <a:buFont typeface="Wingdings" panose="05000000000000000000" pitchFamily="2" charset="2"/>
-              <a:buChar char="n"/>
-            </a:pPr>
-            <a:r>
-              <a:rPr lang="en-US" altLang="zh-TW" sz="1600" dirty="0">
-                <a:solidFill>
-                  <a:schemeClr val="bg1"/>
-                </a:solidFill>
-              </a:rPr>
-              <a:t>ER             Earned Runs</a:t>
-            </a:r>
-          </a:p>
-          <a:p>
-            <a:pPr marL="285750" indent="-285750">
-              <a:buFont typeface="Wingdings" panose="05000000000000000000" pitchFamily="2" charset="2"/>
-              <a:buChar char="n"/>
-            </a:pPr>
-            <a:r>
-              <a:rPr lang="en-US" altLang="zh-TW" sz="1600" dirty="0">
-                <a:solidFill>
-                  <a:schemeClr val="bg1"/>
-                </a:solidFill>
-              </a:rPr>
-              <a:t>HR             Homeruns</a:t>
-            </a:r>
-          </a:p>
-          <a:p>
-            <a:pPr marL="285750" indent="-285750">
-              <a:buFont typeface="Wingdings" panose="05000000000000000000" pitchFamily="2" charset="2"/>
-              <a:buChar char="n"/>
-            </a:pPr>
-            <a:r>
-              <a:rPr lang="en-US" altLang="zh-TW" sz="1600" dirty="0">
-                <a:solidFill>
-                  <a:srgbClr val="FF0000"/>
-                </a:solidFill>
-              </a:rPr>
-              <a:t>BB             Walks</a:t>
-            </a:r>
-          </a:p>
-          <a:p>
-            <a:pPr marL="285750" indent="-285750">
-              <a:buFont typeface="Wingdings" panose="05000000000000000000" pitchFamily="2" charset="2"/>
-              <a:buChar char="n"/>
-            </a:pPr>
-            <a:r>
-              <a:rPr lang="en-US" altLang="zh-TW" sz="1600" dirty="0">
-                <a:solidFill>
-                  <a:srgbClr val="FF0000"/>
-                </a:solidFill>
-              </a:rPr>
-              <a:t>SO             Strikeouts</a:t>
-            </a:r>
-          </a:p>
-          <a:p>
-            <a:pPr marL="285750" indent="-285750">
-              <a:buFont typeface="Wingdings" panose="05000000000000000000" pitchFamily="2" charset="2"/>
-              <a:buChar char="n"/>
-            </a:pPr>
-            <a:r>
-              <a:rPr lang="en-US" altLang="zh-TW" sz="1600" dirty="0" err="1">
-                <a:solidFill>
-                  <a:schemeClr val="bg1"/>
-                </a:solidFill>
-              </a:rPr>
-              <a:t>BAOpp</a:t>
-            </a:r>
-            <a:r>
-              <a:rPr lang="en-US" altLang="zh-TW" sz="1600" dirty="0">
-                <a:solidFill>
-                  <a:schemeClr val="bg1"/>
-                </a:solidFill>
-              </a:rPr>
-              <a:t>          Opponent's Batting Average</a:t>
-            </a:r>
-          </a:p>
-          <a:p>
-            <a:pPr marL="285750" indent="-285750">
-              <a:buFont typeface="Wingdings" panose="05000000000000000000" pitchFamily="2" charset="2"/>
-              <a:buChar char="n"/>
-            </a:pPr>
-            <a:r>
-              <a:rPr lang="en-US" altLang="zh-TW" sz="1600" dirty="0">
-                <a:solidFill>
-                  <a:schemeClr val="bg1"/>
-                </a:solidFill>
-              </a:rPr>
-              <a:t>ERA            Earned Run Average</a:t>
-            </a:r>
-          </a:p>
-          <a:p>
-            <a:pPr marL="285750" indent="-285750">
-              <a:buFont typeface="Wingdings" panose="05000000000000000000" pitchFamily="2" charset="2"/>
-              <a:buChar char="n"/>
-            </a:pPr>
-            <a:r>
-              <a:rPr lang="en-US" altLang="zh-TW" sz="1600" dirty="0">
-                <a:solidFill>
-                  <a:schemeClr val="bg1"/>
-                </a:solidFill>
-              </a:rPr>
-              <a:t>IBB            Intentional Walks</a:t>
-            </a:r>
-          </a:p>
-          <a:p>
-            <a:pPr marL="285750" indent="-285750">
-              <a:buFont typeface="Wingdings" panose="05000000000000000000" pitchFamily="2" charset="2"/>
-              <a:buChar char="n"/>
-            </a:pPr>
-            <a:r>
-              <a:rPr lang="en-US" altLang="zh-TW" sz="1600" dirty="0">
-                <a:solidFill>
-                  <a:schemeClr val="bg1"/>
-                </a:solidFill>
-              </a:rPr>
-              <a:t>WP             Wild Pitches</a:t>
-            </a:r>
-          </a:p>
-          <a:p>
-            <a:pPr marL="285750" indent="-285750">
-              <a:buFont typeface="Wingdings" panose="05000000000000000000" pitchFamily="2" charset="2"/>
-              <a:buChar char="n"/>
-            </a:pPr>
-            <a:r>
-              <a:rPr lang="en-US" altLang="zh-TW" sz="1600" dirty="0">
-                <a:solidFill>
-                  <a:schemeClr val="bg1"/>
-                </a:solidFill>
-              </a:rPr>
-              <a:t>HBP            Batters Hit By Pitch</a:t>
-            </a:r>
-          </a:p>
-          <a:p>
-            <a:pPr marL="285750" indent="-285750">
-              <a:buFont typeface="Wingdings" panose="05000000000000000000" pitchFamily="2" charset="2"/>
-              <a:buChar char="n"/>
-            </a:pPr>
-            <a:r>
-              <a:rPr lang="en-US" altLang="zh-TW" sz="1600" dirty="0">
-                <a:solidFill>
-                  <a:schemeClr val="bg1"/>
-                </a:solidFill>
-              </a:rPr>
-              <a:t>BK             Balks</a:t>
-            </a:r>
-          </a:p>
-          <a:p>
-            <a:pPr marL="285750" indent="-285750">
-              <a:buFont typeface="Wingdings" panose="05000000000000000000" pitchFamily="2" charset="2"/>
-              <a:buChar char="n"/>
-            </a:pPr>
-            <a:r>
-              <a:rPr lang="en-US" altLang="zh-TW" sz="1600" dirty="0">
-                <a:solidFill>
-                  <a:schemeClr val="bg1"/>
-                </a:solidFill>
-              </a:rPr>
-              <a:t>BFP            Batters faced by Pitcher</a:t>
-            </a:r>
-          </a:p>
-          <a:p>
-            <a:pPr marL="285750" indent="-285750">
-              <a:buFont typeface="Wingdings" panose="05000000000000000000" pitchFamily="2" charset="2"/>
-              <a:buChar char="n"/>
-            </a:pPr>
-            <a:r>
-              <a:rPr lang="en-US" altLang="zh-TW" sz="1600" dirty="0">
-                <a:solidFill>
-                  <a:schemeClr val="bg1"/>
-                </a:solidFill>
-              </a:rPr>
-              <a:t>GF             Games Finished</a:t>
-            </a:r>
-          </a:p>
-          <a:p>
-            <a:pPr marL="285750" indent="-285750">
-              <a:buFont typeface="Wingdings" panose="05000000000000000000" pitchFamily="2" charset="2"/>
-              <a:buChar char="n"/>
-            </a:pPr>
-            <a:r>
-              <a:rPr lang="en-US" altLang="zh-TW" sz="1600" dirty="0">
-                <a:solidFill>
-                  <a:srgbClr val="FF0000"/>
-                </a:solidFill>
-              </a:rPr>
-              <a:t>R              Runs Allowed</a:t>
-            </a:r>
-          </a:p>
-          <a:p>
-            <a:pPr marL="285750" indent="-285750">
-              <a:buFont typeface="Wingdings" panose="05000000000000000000" pitchFamily="2" charset="2"/>
-              <a:buChar char="n"/>
-            </a:pPr>
-            <a:r>
-              <a:rPr lang="en-US" altLang="zh-TW" sz="1600" dirty="0">
-                <a:solidFill>
-                  <a:schemeClr val="bg1"/>
-                </a:solidFill>
-              </a:rPr>
-              <a:t>SH             Sacrifices by opposing batters</a:t>
-            </a:r>
-          </a:p>
-          <a:p>
-            <a:pPr marL="285750" indent="-285750">
-              <a:buFont typeface="Wingdings" panose="05000000000000000000" pitchFamily="2" charset="2"/>
-              <a:buChar char="n"/>
-            </a:pPr>
-            <a:r>
-              <a:rPr lang="en-US" altLang="zh-TW" sz="1600" dirty="0">
-                <a:solidFill>
-                  <a:schemeClr val="bg1"/>
-                </a:solidFill>
-              </a:rPr>
-              <a:t>SF             Sacrifice flies by opposing batters</a:t>
-            </a:r>
-          </a:p>
-          <a:p>
-            <a:pPr marL="285750" indent="-285750">
-              <a:buFont typeface="Wingdings" panose="05000000000000000000" pitchFamily="2" charset="2"/>
-              <a:buChar char="n"/>
-            </a:pPr>
-            <a:r>
-              <a:rPr lang="en-US" altLang="zh-TW" sz="1600" dirty="0">
-                <a:solidFill>
-                  <a:schemeClr val="bg1"/>
-                </a:solidFill>
-              </a:rPr>
-              <a:t>GIDP           Grounded into double plays by opposing batter</a:t>
-            </a:r>
-            <a:endParaRPr lang="zh-TW" altLang="en-US" sz="1600" dirty="0">
-              <a:solidFill>
-                <a:schemeClr val="bg1"/>
-              </a:solidFill>
-            </a:endParaRPr>
+              <a:rPr lang="en-US" altLang="zh-TW" sz="2400" dirty="0"/>
+              <a:t> = IP*3</a:t>
+            </a:r>
           </a:p>
         </p:txBody>
       </p:sp>
     </p:spTree>
     <p:extLst>
       <p:ext uri="{BB962C8B-B14F-4D97-AF65-F5344CB8AC3E}">
-        <p14:creationId xmlns:p14="http://schemas.microsoft.com/office/powerpoint/2010/main" val="3664868670"/>
+        <p14:creationId xmlns:p14="http://schemas.microsoft.com/office/powerpoint/2010/main" val="2886119976"/>
       </p:ext>
     </p:extLst>
   </p:cSld>
   <p:clrMapOvr>
     <a:masterClrMapping/>
   </p:clrMapOvr>
+  <p:timing>
+    <p:tnLst>
+      <p:par>
+        <p:cTn id="1" dur="indefinite" restart="never" nodeType="tmRoot">
+          <p:childTnLst>
+            <p:seq concurrent="1" nextAc="seek">
+              <p:cTn id="2" dur="indefinite" nodeType="mainSeq">
+                <p:childTnLst>
+                  <p:par>
+                    <p:cTn id="3" fill="hold">
+                      <p:stCondLst>
+                        <p:cond delay="indefinite"/>
+                      </p:stCondLst>
+                      <p:childTnLst>
+                        <p:par>
+                          <p:cTn id="4" fill="hold">
+                            <p:stCondLst>
+                              <p:cond delay="0"/>
+                            </p:stCondLst>
+                            <p:childTnLst>
+                              <p:par>
+                                <p:cTn id="5" presetID="10" presetClass="entr" presetSubtype="0" fill="hold" nodeType="clickEffect">
+                                  <p:stCondLst>
+                                    <p:cond delay="0"/>
+                                  </p:stCondLst>
+                                  <p:childTnLst>
+                                    <p:set>
+                                      <p:cBhvr>
+                                        <p:cTn id="6" dur="1" fill="hold">
+                                          <p:stCondLst>
+                                            <p:cond delay="0"/>
+                                          </p:stCondLst>
+                                        </p:cTn>
+                                        <p:tgtEl>
+                                          <p:spTgt spid="3">
+                                            <p:txEl>
+                                              <p:pRg st="3" end="3"/>
+                                            </p:txEl>
+                                          </p:spTgt>
+                                        </p:tgtEl>
+                                        <p:attrNameLst>
+                                          <p:attrName>style.visibility</p:attrName>
+                                        </p:attrNameLst>
+                                      </p:cBhvr>
+                                      <p:to>
+                                        <p:strVal val="visible"/>
+                                      </p:to>
+                                    </p:set>
+                                    <p:animEffect transition="in" filter="fade">
+                                      <p:cBhvr>
+                                        <p:cTn id="7" dur="500"/>
+                                        <p:tgtEl>
+                                          <p:spTgt spid="3">
+                                            <p:txEl>
+                                              <p:pRg st="3" end="3"/>
+                                            </p:txEl>
+                                          </p:spTgt>
+                                        </p:tgtEl>
+                                      </p:cBhvr>
+                                    </p:animEffect>
+                                  </p:childTnLst>
+                                </p:cTn>
+                              </p:par>
+                              <p:par>
+                                <p:cTn id="8" presetID="10" presetClass="entr" presetSubtype="0" fill="hold" nodeType="withEffect">
+                                  <p:stCondLst>
+                                    <p:cond delay="0"/>
+                                  </p:stCondLst>
+                                  <p:childTnLst>
+                                    <p:set>
+                                      <p:cBhvr>
+                                        <p:cTn id="9" dur="1" fill="hold">
+                                          <p:stCondLst>
+                                            <p:cond delay="0"/>
+                                          </p:stCondLst>
+                                        </p:cTn>
+                                        <p:tgtEl>
+                                          <p:spTgt spid="3">
+                                            <p:txEl>
+                                              <p:pRg st="4" end="4"/>
+                                            </p:txEl>
+                                          </p:spTgt>
+                                        </p:tgtEl>
+                                        <p:attrNameLst>
+                                          <p:attrName>style.visibility</p:attrName>
+                                        </p:attrNameLst>
+                                      </p:cBhvr>
+                                      <p:to>
+                                        <p:strVal val="visible"/>
+                                      </p:to>
+                                    </p:set>
+                                    <p:animEffect transition="in" filter="fade">
+                                      <p:cBhvr>
+                                        <p:cTn id="10" dur="500"/>
+                                        <p:tgtEl>
+                                          <p:spTgt spid="3">
+                                            <p:txEl>
+                                              <p:pRg st="4" end="4"/>
+                                            </p:txEl>
+                                          </p:spTgt>
+                                        </p:tgtEl>
+                                      </p:cBhvr>
+                                    </p:animEffect>
+                                  </p:childTnLst>
+                                </p:cTn>
+                              </p:par>
+                              <p:par>
+                                <p:cTn id="11" presetID="10" presetClass="entr" presetSubtype="0" fill="hold" nodeType="withEffect">
+                                  <p:stCondLst>
+                                    <p:cond delay="0"/>
+                                  </p:stCondLst>
+                                  <p:childTnLst>
+                                    <p:set>
+                                      <p:cBhvr>
+                                        <p:cTn id="12" dur="1" fill="hold">
+                                          <p:stCondLst>
+                                            <p:cond delay="0"/>
+                                          </p:stCondLst>
+                                        </p:cTn>
+                                        <p:tgtEl>
+                                          <p:spTgt spid="3">
+                                            <p:txEl>
+                                              <p:pRg st="5" end="5"/>
+                                            </p:txEl>
+                                          </p:spTgt>
+                                        </p:tgtEl>
+                                        <p:attrNameLst>
+                                          <p:attrName>style.visibility</p:attrName>
+                                        </p:attrNameLst>
+                                      </p:cBhvr>
+                                      <p:to>
+                                        <p:strVal val="visible"/>
+                                      </p:to>
+                                    </p:set>
+                                    <p:animEffect transition="in" filter="fade">
+                                      <p:cBhvr>
+                                        <p:cTn id="13" dur="500"/>
+                                        <p:tgtEl>
+                                          <p:spTgt spid="3">
+                                            <p:txEl>
+                                              <p:pRg st="5" end="5"/>
+                                            </p:txEl>
+                                          </p:spTgt>
+                                        </p:tgtEl>
+                                      </p:cBhvr>
+                                    </p:animEffect>
+                                  </p:childTnLst>
+                                </p:cTn>
+                              </p:par>
+                            </p:childTnLst>
+                          </p:cTn>
+                        </p:par>
+                      </p:childTnLst>
+                    </p:cTn>
+                  </p:par>
+                  <p:par>
+                    <p:cTn id="14" fill="hold">
+                      <p:stCondLst>
+                        <p:cond delay="indefinite"/>
+                      </p:stCondLst>
+                      <p:childTnLst>
+                        <p:par>
+                          <p:cTn id="15" fill="hold">
+                            <p:stCondLst>
+                              <p:cond delay="0"/>
+                            </p:stCondLst>
+                            <p:childTnLst>
+                              <p:par>
+                                <p:cTn id="16" presetID="10" presetClass="entr" presetSubtype="0" fill="hold" nodeType="clickEffect">
+                                  <p:stCondLst>
+                                    <p:cond delay="0"/>
+                                  </p:stCondLst>
+                                  <p:childTnLst>
+                                    <p:set>
+                                      <p:cBhvr>
+                                        <p:cTn id="17" dur="1" fill="hold">
+                                          <p:stCondLst>
+                                            <p:cond delay="0"/>
+                                          </p:stCondLst>
+                                        </p:cTn>
+                                        <p:tgtEl>
+                                          <p:spTgt spid="3">
+                                            <p:txEl>
+                                              <p:pRg st="7" end="7"/>
+                                            </p:txEl>
+                                          </p:spTgt>
+                                        </p:tgtEl>
+                                        <p:attrNameLst>
+                                          <p:attrName>style.visibility</p:attrName>
+                                        </p:attrNameLst>
+                                      </p:cBhvr>
+                                      <p:to>
+                                        <p:strVal val="visible"/>
+                                      </p:to>
+                                    </p:set>
+                                    <p:animEffect transition="in" filter="fade">
+                                      <p:cBhvr>
+                                        <p:cTn id="18" dur="500"/>
+                                        <p:tgtEl>
+                                          <p:spTgt spid="3">
+                                            <p:txEl>
+                                              <p:pRg st="7" end="7"/>
+                                            </p:txEl>
+                                          </p:spTgt>
+                                        </p:tgtEl>
+                                      </p:cBhvr>
+                                    </p:animEffect>
+                                  </p:childTnLst>
+                                </p:cTn>
+                              </p:par>
+                              <p:par>
+                                <p:cTn id="19" presetID="10" presetClass="entr" presetSubtype="0" fill="hold" nodeType="withEffect">
+                                  <p:stCondLst>
+                                    <p:cond delay="0"/>
+                                  </p:stCondLst>
+                                  <p:childTnLst>
+                                    <p:set>
+                                      <p:cBhvr>
+                                        <p:cTn id="20" dur="1" fill="hold">
+                                          <p:stCondLst>
+                                            <p:cond delay="0"/>
+                                          </p:stCondLst>
+                                        </p:cTn>
+                                        <p:tgtEl>
+                                          <p:spTgt spid="3">
+                                            <p:txEl>
+                                              <p:pRg st="8" end="8"/>
+                                            </p:txEl>
+                                          </p:spTgt>
+                                        </p:tgtEl>
+                                        <p:attrNameLst>
+                                          <p:attrName>style.visibility</p:attrName>
+                                        </p:attrNameLst>
+                                      </p:cBhvr>
+                                      <p:to>
+                                        <p:strVal val="visible"/>
+                                      </p:to>
+                                    </p:set>
+                                    <p:animEffect transition="in" filter="fade">
+                                      <p:cBhvr>
+                                        <p:cTn id="21" dur="500"/>
+                                        <p:tgtEl>
+                                          <p:spTgt spid="3">
+                                            <p:txEl>
+                                              <p:pRg st="8" end="8"/>
+                                            </p:txEl>
+                                          </p:spTgt>
+                                        </p:tgtEl>
+                                      </p:cBhvr>
+                                    </p:animEffect>
+                                  </p:childTnLst>
+                                </p:cTn>
+                              </p:par>
+                            </p:childTnLst>
+                          </p:cTn>
+                        </p:par>
+                      </p:childTnLst>
+                    </p:cTn>
+                  </p:par>
+                </p:childTnLst>
+              </p:cTn>
+              <p:prevCondLst>
+                <p:cond evt="onPrev" delay="0">
+                  <p:tgtEl>
+                    <p:sldTgt/>
+                  </p:tgtEl>
+                </p:cond>
+              </p:prevCondLst>
+              <p:nextCondLst>
+                <p:cond evt="onNext" delay="0">
+                  <p:tgtEl>
+                    <p:sldTgt/>
+                  </p:tgtEl>
+                </p:cond>
+              </p:nextCondLst>
+            </p:seq>
+          </p:childTnLst>
+        </p:cTn>
+      </p:par>
+    </p:tnLst>
+  </p:timing>
 </p:sld>
 </file>
 
@@ -6043,10 +6666,18 @@
           <a:lstStyle/>
           <a:p>
             <a:r>
-              <a:rPr lang="en-US" altLang="zh-TW" dirty="0"/>
-              <a:t>Classification</a:t>
-            </a:r>
-            <a:endParaRPr lang="zh-TW" altLang="en-US" dirty="0"/>
+              <a:rPr kumimoji="1" lang="en-US" altLang="zh-TW" dirty="0"/>
+              <a:t>Pitcher data analysis</a:t>
+            </a:r>
+            <a:r>
+              <a:rPr kumimoji="1" lang="zh-TW" altLang="en-US" dirty="0"/>
+              <a:t> </a:t>
+            </a:r>
+            <a:r>
+              <a:rPr kumimoji="1" lang="en-US" altLang="zh-TW" dirty="0"/>
+              <a:t>(for all pitcher)</a:t>
+            </a:r>
+            <a:endParaRPr kumimoji="1" lang="zh-TW" altLang="en-US" dirty="0"/>
           </a:p>
         </p:txBody>
       </p:sp>
@@ -6060,38 +6691,1178 @@
             <p:ph idx="1"/>
           </p:nvPr>
         </p:nvSpPr>
-        <p:spPr/>
-        <p:txBody>
-          <a:bodyPr/>
+        <p:spPr>
+          <a:xfrm>
+            <a:off x="2128720" y="1443834"/>
+            <a:ext cx="6566316" cy="5039265"/>
+          </a:xfrm>
+        </p:spPr>
+        <p:txBody>
+          <a:bodyPr>
+            <a:normAutofit fontScale="70000" lnSpcReduction="20000"/>
+          </a:bodyPr>
           <a:lstStyle/>
           <a:p>
             <a:r>
+              <a:rPr lang="en-US" altLang="zh-TW" b="1" dirty="0"/>
+              <a:t>Winning Percentage </a:t>
+            </a:r>
+            <a:r>
               <a:rPr lang="en-US" altLang="zh-TW" dirty="0"/>
-              <a:t>Discuss the relationship of BA, OBP, SLG, salaries, and the chance of winning</a:t>
-            </a:r>
-          </a:p>
-          <a:p>
+              <a:t>(WPCT): </a:t>
+            </a:r>
+          </a:p>
+          <a:p>
+            <a:pPr lvl="1"/>
+            <a:r>
+              <a:rPr lang="en-US" altLang="zh-TW" dirty="0">
+                <a:solidFill>
+                  <a:srgbClr val="FFFF99"/>
+                </a:solidFill>
+              </a:rPr>
+              <a:t>WPCT = W / (W+L)</a:t>
+            </a:r>
+          </a:p>
+          <a:p>
+            <a:r>
+              <a:rPr lang="en-US" altLang="zh-TW" b="1" dirty="0"/>
+              <a:t>Earned Run Average</a:t>
+            </a:r>
+            <a:r>
+              <a:rPr lang="zh-TW" altLang="en-US" b="1" dirty="0"/>
+              <a:t> </a:t>
+            </a:r>
             <a:r>
               <a:rPr lang="en-US" altLang="zh-TW" dirty="0"/>
-              <a:t>Classify the players into three categories, BA, OBP, SLG</a:t>
-            </a:r>
+              <a:t>(ERA): </a:t>
+            </a:r>
+          </a:p>
+          <a:p>
+            <a:pPr lvl="1"/>
+            <a:r>
+              <a:rPr lang="en-US" altLang="zh-TW" dirty="0">
+                <a:solidFill>
+                  <a:srgbClr val="FFFF99"/>
+                </a:solidFill>
+              </a:rPr>
+              <a:t>ERA = (ER*9) / (</a:t>
+            </a:r>
+            <a:r>
+              <a:rPr lang="en-US" altLang="zh-TW" dirty="0" err="1">
+                <a:solidFill>
+                  <a:srgbClr val="FFFF99"/>
+                </a:solidFill>
+              </a:rPr>
+              <a:t>IPOut</a:t>
+            </a:r>
+            <a:r>
+              <a:rPr lang="en-US" altLang="zh-TW" dirty="0">
+                <a:solidFill>
+                  <a:srgbClr val="FFFF99"/>
+                </a:solidFill>
+              </a:rPr>
+              <a:t>/3)</a:t>
+            </a:r>
+          </a:p>
+          <a:p>
+            <a:r>
+              <a:rPr lang="en-US" altLang="zh-TW" b="1" dirty="0"/>
+              <a:t>Hits per nine innings </a:t>
+            </a:r>
+            <a:r>
+              <a:rPr lang="en-US" altLang="zh-TW" dirty="0"/>
+              <a:t>(H/9): </a:t>
+            </a:r>
+          </a:p>
+          <a:p>
+            <a:pPr lvl="1"/>
+            <a:r>
+              <a:rPr lang="en-US" altLang="zh-TW" dirty="0">
+                <a:solidFill>
+                  <a:srgbClr val="FFFF99"/>
+                </a:solidFill>
+              </a:rPr>
+              <a:t>H/9 = (H*9) / (</a:t>
+            </a:r>
+            <a:r>
+              <a:rPr lang="en-US" altLang="zh-TW" dirty="0" err="1">
+                <a:solidFill>
+                  <a:srgbClr val="FFFF99"/>
+                </a:solidFill>
+              </a:rPr>
+              <a:t>IPOut</a:t>
+            </a:r>
+            <a:r>
+              <a:rPr lang="en-US" altLang="zh-TW" dirty="0">
+                <a:solidFill>
+                  <a:srgbClr val="FFFF99"/>
+                </a:solidFill>
+              </a:rPr>
+              <a:t>/3)</a:t>
+            </a:r>
+          </a:p>
+          <a:p>
+            <a:r>
+              <a:rPr lang="en-US" altLang="zh-TW" b="1" dirty="0"/>
+              <a:t>Run Average </a:t>
+            </a:r>
+            <a:r>
+              <a:rPr lang="en-US" altLang="zh-TW" dirty="0"/>
+              <a:t>(RA): </a:t>
+            </a:r>
+          </a:p>
+          <a:p>
+            <a:pPr lvl="1"/>
+            <a:r>
+              <a:rPr lang="en-US" altLang="zh-TW" dirty="0">
+                <a:solidFill>
+                  <a:srgbClr val="FFFF99"/>
+                </a:solidFill>
+              </a:rPr>
+              <a:t>RA = (R*9) / (</a:t>
+            </a:r>
+            <a:r>
+              <a:rPr lang="en-US" altLang="zh-TW" dirty="0" err="1">
+                <a:solidFill>
+                  <a:srgbClr val="FFFF99"/>
+                </a:solidFill>
+              </a:rPr>
+              <a:t>IPOut</a:t>
+            </a:r>
+            <a:r>
+              <a:rPr lang="en-US" altLang="zh-TW" dirty="0">
+                <a:solidFill>
+                  <a:srgbClr val="FFFF99"/>
+                </a:solidFill>
+              </a:rPr>
+              <a:t>/3) </a:t>
+            </a:r>
+            <a:endParaRPr lang="en-US" altLang="zh-TW" b="1" dirty="0"/>
+          </a:p>
+          <a:p>
+            <a:r>
+              <a:rPr lang="en-US" altLang="zh-TW" b="1" dirty="0"/>
+              <a:t>Walks plus hits per inning pitched </a:t>
+            </a:r>
+            <a:r>
+              <a:rPr lang="en-US" altLang="zh-TW" dirty="0"/>
+              <a:t>(WHIP):</a:t>
+            </a:r>
+          </a:p>
+          <a:p>
+            <a:pPr lvl="1"/>
+            <a:r>
+              <a:rPr lang="en-US" altLang="zh-TW" dirty="0">
+                <a:solidFill>
+                  <a:srgbClr val="FFFF99"/>
+                </a:solidFill>
+              </a:rPr>
+              <a:t>WHIP = (H + BB) / (</a:t>
+            </a:r>
+            <a:r>
+              <a:rPr lang="en-US" altLang="zh-TW" dirty="0" err="1">
+                <a:solidFill>
+                  <a:srgbClr val="FFFF99"/>
+                </a:solidFill>
+              </a:rPr>
+              <a:t>IPOut</a:t>
+            </a:r>
+            <a:r>
+              <a:rPr lang="en-US" altLang="zh-TW" dirty="0">
+                <a:solidFill>
+                  <a:srgbClr val="FFFF99"/>
+                </a:solidFill>
+              </a:rPr>
+              <a:t>/3)</a:t>
+            </a:r>
+          </a:p>
+          <a:p>
+            <a:r>
+              <a:rPr lang="en-US" altLang="zh-TW" b="1" dirty="0"/>
+              <a:t>Strikeouts per nine innings </a:t>
+            </a:r>
+            <a:r>
+              <a:rPr lang="en-US" altLang="zh-TW" dirty="0"/>
+              <a:t>(K/9): </a:t>
+            </a:r>
+          </a:p>
+          <a:p>
+            <a:pPr lvl="1"/>
+            <a:r>
+              <a:rPr lang="en-US" altLang="zh-TW" dirty="0">
+                <a:solidFill>
+                  <a:srgbClr val="FFFF99"/>
+                </a:solidFill>
+              </a:rPr>
+              <a:t>K/9 = (SO*9) / (</a:t>
+            </a:r>
+            <a:r>
+              <a:rPr lang="en-US" altLang="zh-TW" dirty="0" err="1">
+                <a:solidFill>
+                  <a:srgbClr val="FFFF99"/>
+                </a:solidFill>
+              </a:rPr>
+              <a:t>IPOut</a:t>
+            </a:r>
+            <a:r>
+              <a:rPr lang="en-US" altLang="zh-TW" dirty="0">
+                <a:solidFill>
+                  <a:srgbClr val="FFFF99"/>
+                </a:solidFill>
+              </a:rPr>
+              <a:t>/3)</a:t>
+            </a:r>
+          </a:p>
+          <a:p>
+            <a:r>
+              <a:rPr lang="en-US" altLang="zh-TW" b="1" dirty="0"/>
+              <a:t>Base on balls </a:t>
+            </a:r>
+            <a:r>
+              <a:rPr lang="en-US" altLang="zh-TW" dirty="0"/>
+              <a:t>(BB/9): </a:t>
+            </a:r>
+          </a:p>
+          <a:p>
+            <a:pPr lvl="1"/>
+            <a:r>
+              <a:rPr lang="en-US" altLang="zh-TW" dirty="0">
+                <a:solidFill>
+                  <a:srgbClr val="FFFF99"/>
+                </a:solidFill>
+              </a:rPr>
+              <a:t>BB/9 = (BB*9) / (</a:t>
+            </a:r>
+            <a:r>
+              <a:rPr lang="en-US" altLang="zh-TW" dirty="0" err="1">
+                <a:solidFill>
+                  <a:srgbClr val="FFFF99"/>
+                </a:solidFill>
+              </a:rPr>
+              <a:t>IPOut</a:t>
+            </a:r>
+            <a:r>
+              <a:rPr lang="en-US" altLang="zh-TW" dirty="0">
+                <a:solidFill>
+                  <a:srgbClr val="FFFF99"/>
+                </a:solidFill>
+              </a:rPr>
+              <a:t>/3)</a:t>
+            </a:r>
+          </a:p>
+          <a:p>
+            <a:r>
+              <a:rPr lang="en-US" altLang="zh-TW" b="1" dirty="0"/>
+              <a:t>Strikeout-to-walk ratio </a:t>
+            </a:r>
+            <a:r>
+              <a:rPr lang="en-US" altLang="zh-TW" dirty="0"/>
+              <a:t>(K/BB): </a:t>
+            </a:r>
+          </a:p>
+          <a:p>
+            <a:pPr lvl="1"/>
+            <a:r>
+              <a:rPr lang="en-US" altLang="zh-TW" dirty="0">
+                <a:solidFill>
+                  <a:srgbClr val="FFFF99"/>
+                </a:solidFill>
+              </a:rPr>
+              <a:t>K/BB = SO / BB</a:t>
+            </a:r>
+          </a:p>
+          <a:p>
             <a:endParaRPr lang="zh-TW" altLang="en-US" dirty="0"/>
           </a:p>
           <a:p>
-            <a:endParaRPr lang="zh-TW" altLang="en-US" dirty="0"/>
+            <a:endParaRPr kumimoji="1" lang="zh-TW" altLang="en-US" dirty="0"/>
           </a:p>
         </p:txBody>
       </p:sp>
     </p:spTree>
     <p:extLst>
       <p:ext uri="{BB962C8B-B14F-4D97-AF65-F5344CB8AC3E}">
-        <p14:creationId xmlns:p14="http://schemas.microsoft.com/office/powerpoint/2010/main" val="3324527592"/>
+        <p14:creationId xmlns:p14="http://schemas.microsoft.com/office/powerpoint/2010/main" val="259822683"/>
       </p:ext>
     </p:extLst>
   </p:cSld>
   <p:clrMapOvr>
     <a:masterClrMapping/>
   </p:clrMapOvr>
+  <p:timing>
+    <p:tnLst>
+      <p:par>
+        <p:cTn id="1" dur="indefinite" restart="never" nodeType="tmRoot">
+          <p:childTnLst>
+            <p:seq concurrent="1" nextAc="seek">
+              <p:cTn id="2" dur="indefinite" nodeType="mainSeq">
+                <p:childTnLst>
+                  <p:par>
+                    <p:cTn id="3" fill="hold">
+                      <p:stCondLst>
+                        <p:cond delay="indefinite"/>
+                        <p:cond evt="onBegin" delay="0">
+                          <p:tn val="2"/>
+                        </p:cond>
+                      </p:stCondLst>
+                      <p:childTnLst>
+                        <p:par>
+                          <p:cTn id="4" fill="hold">
+                            <p:stCondLst>
+                              <p:cond delay="0"/>
+                            </p:stCondLst>
+                            <p:childTnLst>
+                              <p:par>
+                                <p:cTn id="5" presetID="10" presetClass="entr" presetSubtype="0" fill="hold" nodeType="afterEffect">
+                                  <p:stCondLst>
+                                    <p:cond delay="0"/>
+                                  </p:stCondLst>
+                                  <p:childTnLst>
+                                    <p:set>
+                                      <p:cBhvr>
+                                        <p:cTn id="6" dur="1" fill="hold">
+                                          <p:stCondLst>
+                                            <p:cond delay="0"/>
+                                          </p:stCondLst>
+                                        </p:cTn>
+                                        <p:tgtEl>
+                                          <p:spTgt spid="3">
+                                            <p:txEl>
+                                              <p:pRg st="0" end="0"/>
+                                            </p:txEl>
+                                          </p:spTgt>
+                                        </p:tgtEl>
+                                        <p:attrNameLst>
+                                          <p:attrName>style.visibility</p:attrName>
+                                        </p:attrNameLst>
+                                      </p:cBhvr>
+                                      <p:to>
+                                        <p:strVal val="visible"/>
+                                      </p:to>
+                                    </p:set>
+                                    <p:animEffect transition="in" filter="fade">
+                                      <p:cBhvr>
+                                        <p:cTn id="7" dur="500"/>
+                                        <p:tgtEl>
+                                          <p:spTgt spid="3">
+                                            <p:txEl>
+                                              <p:pRg st="0" end="0"/>
+                                            </p:txEl>
+                                          </p:spTgt>
+                                        </p:tgtEl>
+                                      </p:cBhvr>
+                                    </p:animEffect>
+                                  </p:childTnLst>
+                                </p:cTn>
+                              </p:par>
+                            </p:childTnLst>
+                          </p:cTn>
+                        </p:par>
+                        <p:par>
+                          <p:cTn id="8" fill="hold">
+                            <p:stCondLst>
+                              <p:cond delay="500"/>
+                            </p:stCondLst>
+                            <p:childTnLst>
+                              <p:par>
+                                <p:cTn id="9" presetID="10" presetClass="entr" presetSubtype="0" fill="hold" nodeType="afterEffect">
+                                  <p:stCondLst>
+                                    <p:cond delay="0"/>
+                                  </p:stCondLst>
+                                  <p:childTnLst>
+                                    <p:set>
+                                      <p:cBhvr>
+                                        <p:cTn id="10" dur="1" fill="hold">
+                                          <p:stCondLst>
+                                            <p:cond delay="0"/>
+                                          </p:stCondLst>
+                                        </p:cTn>
+                                        <p:tgtEl>
+                                          <p:spTgt spid="3">
+                                            <p:txEl>
+                                              <p:pRg st="1" end="1"/>
+                                            </p:txEl>
+                                          </p:spTgt>
+                                        </p:tgtEl>
+                                        <p:attrNameLst>
+                                          <p:attrName>style.visibility</p:attrName>
+                                        </p:attrNameLst>
+                                      </p:cBhvr>
+                                      <p:to>
+                                        <p:strVal val="visible"/>
+                                      </p:to>
+                                    </p:set>
+                                    <p:animEffect transition="in" filter="fade">
+                                      <p:cBhvr>
+                                        <p:cTn id="11" dur="500"/>
+                                        <p:tgtEl>
+                                          <p:spTgt spid="3">
+                                            <p:txEl>
+                                              <p:pRg st="1" end="1"/>
+                                            </p:txEl>
+                                          </p:spTgt>
+                                        </p:tgtEl>
+                                      </p:cBhvr>
+                                    </p:animEffect>
+                                  </p:childTnLst>
+                                </p:cTn>
+                              </p:par>
+                            </p:childTnLst>
+                          </p:cTn>
+                        </p:par>
+                        <p:par>
+                          <p:cTn id="12" fill="hold">
+                            <p:stCondLst>
+                              <p:cond delay="1000"/>
+                            </p:stCondLst>
+                            <p:childTnLst>
+                              <p:par>
+                                <p:cTn id="13" presetID="10" presetClass="entr" presetSubtype="0" fill="hold" nodeType="afterEffect">
+                                  <p:stCondLst>
+                                    <p:cond delay="0"/>
+                                  </p:stCondLst>
+                                  <p:childTnLst>
+                                    <p:set>
+                                      <p:cBhvr>
+                                        <p:cTn id="14" dur="1" fill="hold">
+                                          <p:stCondLst>
+                                            <p:cond delay="0"/>
+                                          </p:stCondLst>
+                                        </p:cTn>
+                                        <p:tgtEl>
+                                          <p:spTgt spid="3">
+                                            <p:txEl>
+                                              <p:pRg st="2" end="2"/>
+                                            </p:txEl>
+                                          </p:spTgt>
+                                        </p:tgtEl>
+                                        <p:attrNameLst>
+                                          <p:attrName>style.visibility</p:attrName>
+                                        </p:attrNameLst>
+                                      </p:cBhvr>
+                                      <p:to>
+                                        <p:strVal val="visible"/>
+                                      </p:to>
+                                    </p:set>
+                                    <p:animEffect transition="in" filter="fade">
+                                      <p:cBhvr>
+                                        <p:cTn id="15" dur="500"/>
+                                        <p:tgtEl>
+                                          <p:spTgt spid="3">
+                                            <p:txEl>
+                                              <p:pRg st="2" end="2"/>
+                                            </p:txEl>
+                                          </p:spTgt>
+                                        </p:tgtEl>
+                                      </p:cBhvr>
+                                    </p:animEffect>
+                                  </p:childTnLst>
+                                </p:cTn>
+                              </p:par>
+                            </p:childTnLst>
+                          </p:cTn>
+                        </p:par>
+                        <p:par>
+                          <p:cTn id="16" fill="hold">
+                            <p:stCondLst>
+                              <p:cond delay="1500"/>
+                            </p:stCondLst>
+                            <p:childTnLst>
+                              <p:par>
+                                <p:cTn id="17" presetID="10" presetClass="entr" presetSubtype="0" fill="hold" nodeType="afterEffect">
+                                  <p:stCondLst>
+                                    <p:cond delay="0"/>
+                                  </p:stCondLst>
+                                  <p:childTnLst>
+                                    <p:set>
+                                      <p:cBhvr>
+                                        <p:cTn id="18" dur="1" fill="hold">
+                                          <p:stCondLst>
+                                            <p:cond delay="0"/>
+                                          </p:stCondLst>
+                                        </p:cTn>
+                                        <p:tgtEl>
+                                          <p:spTgt spid="3">
+                                            <p:txEl>
+                                              <p:pRg st="3" end="3"/>
+                                            </p:txEl>
+                                          </p:spTgt>
+                                        </p:tgtEl>
+                                        <p:attrNameLst>
+                                          <p:attrName>style.visibility</p:attrName>
+                                        </p:attrNameLst>
+                                      </p:cBhvr>
+                                      <p:to>
+                                        <p:strVal val="visible"/>
+                                      </p:to>
+                                    </p:set>
+                                    <p:animEffect transition="in" filter="fade">
+                                      <p:cBhvr>
+                                        <p:cTn id="19" dur="500"/>
+                                        <p:tgtEl>
+                                          <p:spTgt spid="3">
+                                            <p:txEl>
+                                              <p:pRg st="3" end="3"/>
+                                            </p:txEl>
+                                          </p:spTgt>
+                                        </p:tgtEl>
+                                      </p:cBhvr>
+                                    </p:animEffect>
+                                  </p:childTnLst>
+                                </p:cTn>
+                              </p:par>
+                            </p:childTnLst>
+                          </p:cTn>
+                        </p:par>
+                        <p:par>
+                          <p:cTn id="20" fill="hold">
+                            <p:stCondLst>
+                              <p:cond delay="2000"/>
+                            </p:stCondLst>
+                            <p:childTnLst>
+                              <p:par>
+                                <p:cTn id="21" presetID="10" presetClass="entr" presetSubtype="0" fill="hold" nodeType="afterEffect">
+                                  <p:stCondLst>
+                                    <p:cond delay="0"/>
+                                  </p:stCondLst>
+                                  <p:childTnLst>
+                                    <p:set>
+                                      <p:cBhvr>
+                                        <p:cTn id="22" dur="1" fill="hold">
+                                          <p:stCondLst>
+                                            <p:cond delay="0"/>
+                                          </p:stCondLst>
+                                        </p:cTn>
+                                        <p:tgtEl>
+                                          <p:spTgt spid="3">
+                                            <p:txEl>
+                                              <p:pRg st="4" end="4"/>
+                                            </p:txEl>
+                                          </p:spTgt>
+                                        </p:tgtEl>
+                                        <p:attrNameLst>
+                                          <p:attrName>style.visibility</p:attrName>
+                                        </p:attrNameLst>
+                                      </p:cBhvr>
+                                      <p:to>
+                                        <p:strVal val="visible"/>
+                                      </p:to>
+                                    </p:set>
+                                    <p:animEffect transition="in" filter="fade">
+                                      <p:cBhvr>
+                                        <p:cTn id="23" dur="500"/>
+                                        <p:tgtEl>
+                                          <p:spTgt spid="3">
+                                            <p:txEl>
+                                              <p:pRg st="4" end="4"/>
+                                            </p:txEl>
+                                          </p:spTgt>
+                                        </p:tgtEl>
+                                      </p:cBhvr>
+                                    </p:animEffect>
+                                  </p:childTnLst>
+                                </p:cTn>
+                              </p:par>
+                            </p:childTnLst>
+                          </p:cTn>
+                        </p:par>
+                        <p:par>
+                          <p:cTn id="24" fill="hold">
+                            <p:stCondLst>
+                              <p:cond delay="2500"/>
+                            </p:stCondLst>
+                            <p:childTnLst>
+                              <p:par>
+                                <p:cTn id="25" presetID="10" presetClass="entr" presetSubtype="0" fill="hold" nodeType="afterEffect">
+                                  <p:stCondLst>
+                                    <p:cond delay="0"/>
+                                  </p:stCondLst>
+                                  <p:childTnLst>
+                                    <p:set>
+                                      <p:cBhvr>
+                                        <p:cTn id="26" dur="1" fill="hold">
+                                          <p:stCondLst>
+                                            <p:cond delay="0"/>
+                                          </p:stCondLst>
+                                        </p:cTn>
+                                        <p:tgtEl>
+                                          <p:spTgt spid="3">
+                                            <p:txEl>
+                                              <p:pRg st="5" end="5"/>
+                                            </p:txEl>
+                                          </p:spTgt>
+                                        </p:tgtEl>
+                                        <p:attrNameLst>
+                                          <p:attrName>style.visibility</p:attrName>
+                                        </p:attrNameLst>
+                                      </p:cBhvr>
+                                      <p:to>
+                                        <p:strVal val="visible"/>
+                                      </p:to>
+                                    </p:set>
+                                    <p:animEffect transition="in" filter="fade">
+                                      <p:cBhvr>
+                                        <p:cTn id="27" dur="500"/>
+                                        <p:tgtEl>
+                                          <p:spTgt spid="3">
+                                            <p:txEl>
+                                              <p:pRg st="5" end="5"/>
+                                            </p:txEl>
+                                          </p:spTgt>
+                                        </p:tgtEl>
+                                      </p:cBhvr>
+                                    </p:animEffect>
+                                  </p:childTnLst>
+                                </p:cTn>
+                              </p:par>
+                            </p:childTnLst>
+                          </p:cTn>
+                        </p:par>
+                        <p:par>
+                          <p:cTn id="28" fill="hold">
+                            <p:stCondLst>
+                              <p:cond delay="3000"/>
+                            </p:stCondLst>
+                            <p:childTnLst>
+                              <p:par>
+                                <p:cTn id="29" presetID="10" presetClass="entr" presetSubtype="0" fill="hold" nodeType="afterEffect">
+                                  <p:stCondLst>
+                                    <p:cond delay="0"/>
+                                  </p:stCondLst>
+                                  <p:childTnLst>
+                                    <p:set>
+                                      <p:cBhvr>
+                                        <p:cTn id="30" dur="1" fill="hold">
+                                          <p:stCondLst>
+                                            <p:cond delay="0"/>
+                                          </p:stCondLst>
+                                        </p:cTn>
+                                        <p:tgtEl>
+                                          <p:spTgt spid="3">
+                                            <p:txEl>
+                                              <p:pRg st="6" end="6"/>
+                                            </p:txEl>
+                                          </p:spTgt>
+                                        </p:tgtEl>
+                                        <p:attrNameLst>
+                                          <p:attrName>style.visibility</p:attrName>
+                                        </p:attrNameLst>
+                                      </p:cBhvr>
+                                      <p:to>
+                                        <p:strVal val="visible"/>
+                                      </p:to>
+                                    </p:set>
+                                    <p:animEffect transition="in" filter="fade">
+                                      <p:cBhvr>
+                                        <p:cTn id="31" dur="500"/>
+                                        <p:tgtEl>
+                                          <p:spTgt spid="3">
+                                            <p:txEl>
+                                              <p:pRg st="6" end="6"/>
+                                            </p:txEl>
+                                          </p:spTgt>
+                                        </p:tgtEl>
+                                      </p:cBhvr>
+                                    </p:animEffect>
+                                  </p:childTnLst>
+                                </p:cTn>
+                              </p:par>
+                            </p:childTnLst>
+                          </p:cTn>
+                        </p:par>
+                        <p:par>
+                          <p:cTn id="32" fill="hold">
+                            <p:stCondLst>
+                              <p:cond delay="3500"/>
+                            </p:stCondLst>
+                            <p:childTnLst>
+                              <p:par>
+                                <p:cTn id="33" presetID="10" presetClass="entr" presetSubtype="0" fill="hold" nodeType="afterEffect">
+                                  <p:stCondLst>
+                                    <p:cond delay="0"/>
+                                  </p:stCondLst>
+                                  <p:childTnLst>
+                                    <p:set>
+                                      <p:cBhvr>
+                                        <p:cTn id="34" dur="1" fill="hold">
+                                          <p:stCondLst>
+                                            <p:cond delay="0"/>
+                                          </p:stCondLst>
+                                        </p:cTn>
+                                        <p:tgtEl>
+                                          <p:spTgt spid="3">
+                                            <p:txEl>
+                                              <p:pRg st="7" end="7"/>
+                                            </p:txEl>
+                                          </p:spTgt>
+                                        </p:tgtEl>
+                                        <p:attrNameLst>
+                                          <p:attrName>style.visibility</p:attrName>
+                                        </p:attrNameLst>
+                                      </p:cBhvr>
+                                      <p:to>
+                                        <p:strVal val="visible"/>
+                                      </p:to>
+                                    </p:set>
+                                    <p:animEffect transition="in" filter="fade">
+                                      <p:cBhvr>
+                                        <p:cTn id="35" dur="500"/>
+                                        <p:tgtEl>
+                                          <p:spTgt spid="3">
+                                            <p:txEl>
+                                              <p:pRg st="7" end="7"/>
+                                            </p:txEl>
+                                          </p:spTgt>
+                                        </p:tgtEl>
+                                      </p:cBhvr>
+                                    </p:animEffect>
+                                  </p:childTnLst>
+                                </p:cTn>
+                              </p:par>
+                            </p:childTnLst>
+                          </p:cTn>
+                        </p:par>
+                        <p:par>
+                          <p:cTn id="36" fill="hold">
+                            <p:stCondLst>
+                              <p:cond delay="4000"/>
+                            </p:stCondLst>
+                            <p:childTnLst>
+                              <p:par>
+                                <p:cTn id="37" presetID="10" presetClass="entr" presetSubtype="0" fill="hold" nodeType="afterEffect">
+                                  <p:stCondLst>
+                                    <p:cond delay="0"/>
+                                  </p:stCondLst>
+                                  <p:childTnLst>
+                                    <p:set>
+                                      <p:cBhvr>
+                                        <p:cTn id="38" dur="1" fill="hold">
+                                          <p:stCondLst>
+                                            <p:cond delay="0"/>
+                                          </p:stCondLst>
+                                        </p:cTn>
+                                        <p:tgtEl>
+                                          <p:spTgt spid="3">
+                                            <p:txEl>
+                                              <p:pRg st="8" end="8"/>
+                                            </p:txEl>
+                                          </p:spTgt>
+                                        </p:tgtEl>
+                                        <p:attrNameLst>
+                                          <p:attrName>style.visibility</p:attrName>
+                                        </p:attrNameLst>
+                                      </p:cBhvr>
+                                      <p:to>
+                                        <p:strVal val="visible"/>
+                                      </p:to>
+                                    </p:set>
+                                    <p:animEffect transition="in" filter="fade">
+                                      <p:cBhvr>
+                                        <p:cTn id="39" dur="500"/>
+                                        <p:tgtEl>
+                                          <p:spTgt spid="3">
+                                            <p:txEl>
+                                              <p:pRg st="8" end="8"/>
+                                            </p:txEl>
+                                          </p:spTgt>
+                                        </p:tgtEl>
+                                      </p:cBhvr>
+                                    </p:animEffect>
+                                  </p:childTnLst>
+                                </p:cTn>
+                              </p:par>
+                            </p:childTnLst>
+                          </p:cTn>
+                        </p:par>
+                        <p:par>
+                          <p:cTn id="40" fill="hold">
+                            <p:stCondLst>
+                              <p:cond delay="4500"/>
+                            </p:stCondLst>
+                            <p:childTnLst>
+                              <p:par>
+                                <p:cTn id="41" presetID="10" presetClass="entr" presetSubtype="0" fill="hold" nodeType="afterEffect">
+                                  <p:stCondLst>
+                                    <p:cond delay="0"/>
+                                  </p:stCondLst>
+                                  <p:childTnLst>
+                                    <p:set>
+                                      <p:cBhvr>
+                                        <p:cTn id="42" dur="1" fill="hold">
+                                          <p:stCondLst>
+                                            <p:cond delay="0"/>
+                                          </p:stCondLst>
+                                        </p:cTn>
+                                        <p:tgtEl>
+                                          <p:spTgt spid="3">
+                                            <p:txEl>
+                                              <p:pRg st="9" end="9"/>
+                                            </p:txEl>
+                                          </p:spTgt>
+                                        </p:tgtEl>
+                                        <p:attrNameLst>
+                                          <p:attrName>style.visibility</p:attrName>
+                                        </p:attrNameLst>
+                                      </p:cBhvr>
+                                      <p:to>
+                                        <p:strVal val="visible"/>
+                                      </p:to>
+                                    </p:set>
+                                    <p:animEffect transition="in" filter="fade">
+                                      <p:cBhvr>
+                                        <p:cTn id="43" dur="500"/>
+                                        <p:tgtEl>
+                                          <p:spTgt spid="3">
+                                            <p:txEl>
+                                              <p:pRg st="9" end="9"/>
+                                            </p:txEl>
+                                          </p:spTgt>
+                                        </p:tgtEl>
+                                      </p:cBhvr>
+                                    </p:animEffect>
+                                  </p:childTnLst>
+                                </p:cTn>
+                              </p:par>
+                            </p:childTnLst>
+                          </p:cTn>
+                        </p:par>
+                        <p:par>
+                          <p:cTn id="44" fill="hold">
+                            <p:stCondLst>
+                              <p:cond delay="5000"/>
+                            </p:stCondLst>
+                            <p:childTnLst>
+                              <p:par>
+                                <p:cTn id="45" presetID="10" presetClass="entr" presetSubtype="0" fill="hold" nodeType="afterEffect">
+                                  <p:stCondLst>
+                                    <p:cond delay="0"/>
+                                  </p:stCondLst>
+                                  <p:childTnLst>
+                                    <p:set>
+                                      <p:cBhvr>
+                                        <p:cTn id="46" dur="1" fill="hold">
+                                          <p:stCondLst>
+                                            <p:cond delay="0"/>
+                                          </p:stCondLst>
+                                        </p:cTn>
+                                        <p:tgtEl>
+                                          <p:spTgt spid="3">
+                                            <p:txEl>
+                                              <p:pRg st="10" end="10"/>
+                                            </p:txEl>
+                                          </p:spTgt>
+                                        </p:tgtEl>
+                                        <p:attrNameLst>
+                                          <p:attrName>style.visibility</p:attrName>
+                                        </p:attrNameLst>
+                                      </p:cBhvr>
+                                      <p:to>
+                                        <p:strVal val="visible"/>
+                                      </p:to>
+                                    </p:set>
+                                    <p:animEffect transition="in" filter="fade">
+                                      <p:cBhvr>
+                                        <p:cTn id="47" dur="500"/>
+                                        <p:tgtEl>
+                                          <p:spTgt spid="3">
+                                            <p:txEl>
+                                              <p:pRg st="10" end="10"/>
+                                            </p:txEl>
+                                          </p:spTgt>
+                                        </p:tgtEl>
+                                      </p:cBhvr>
+                                    </p:animEffect>
+                                  </p:childTnLst>
+                                </p:cTn>
+                              </p:par>
+                            </p:childTnLst>
+                          </p:cTn>
+                        </p:par>
+                        <p:par>
+                          <p:cTn id="48" fill="hold">
+                            <p:stCondLst>
+                              <p:cond delay="5500"/>
+                            </p:stCondLst>
+                            <p:childTnLst>
+                              <p:par>
+                                <p:cTn id="49" presetID="10" presetClass="entr" presetSubtype="0" fill="hold" nodeType="afterEffect">
+                                  <p:stCondLst>
+                                    <p:cond delay="0"/>
+                                  </p:stCondLst>
+                                  <p:childTnLst>
+                                    <p:set>
+                                      <p:cBhvr>
+                                        <p:cTn id="50" dur="1" fill="hold">
+                                          <p:stCondLst>
+                                            <p:cond delay="0"/>
+                                          </p:stCondLst>
+                                        </p:cTn>
+                                        <p:tgtEl>
+                                          <p:spTgt spid="3">
+                                            <p:txEl>
+                                              <p:pRg st="11" end="11"/>
+                                            </p:txEl>
+                                          </p:spTgt>
+                                        </p:tgtEl>
+                                        <p:attrNameLst>
+                                          <p:attrName>style.visibility</p:attrName>
+                                        </p:attrNameLst>
+                                      </p:cBhvr>
+                                      <p:to>
+                                        <p:strVal val="visible"/>
+                                      </p:to>
+                                    </p:set>
+                                    <p:animEffect transition="in" filter="fade">
+                                      <p:cBhvr>
+                                        <p:cTn id="51" dur="500"/>
+                                        <p:tgtEl>
+                                          <p:spTgt spid="3">
+                                            <p:txEl>
+                                              <p:pRg st="11" end="11"/>
+                                            </p:txEl>
+                                          </p:spTgt>
+                                        </p:tgtEl>
+                                      </p:cBhvr>
+                                    </p:animEffect>
+                                  </p:childTnLst>
+                                </p:cTn>
+                              </p:par>
+                            </p:childTnLst>
+                          </p:cTn>
+                        </p:par>
+                        <p:par>
+                          <p:cTn id="52" fill="hold">
+                            <p:stCondLst>
+                              <p:cond delay="6000"/>
+                            </p:stCondLst>
+                            <p:childTnLst>
+                              <p:par>
+                                <p:cTn id="53" presetID="10" presetClass="entr" presetSubtype="0" fill="hold" nodeType="afterEffect">
+                                  <p:stCondLst>
+                                    <p:cond delay="0"/>
+                                  </p:stCondLst>
+                                  <p:childTnLst>
+                                    <p:set>
+                                      <p:cBhvr>
+                                        <p:cTn id="54" dur="1" fill="hold">
+                                          <p:stCondLst>
+                                            <p:cond delay="0"/>
+                                          </p:stCondLst>
+                                        </p:cTn>
+                                        <p:tgtEl>
+                                          <p:spTgt spid="3">
+                                            <p:txEl>
+                                              <p:pRg st="12" end="12"/>
+                                            </p:txEl>
+                                          </p:spTgt>
+                                        </p:tgtEl>
+                                        <p:attrNameLst>
+                                          <p:attrName>style.visibility</p:attrName>
+                                        </p:attrNameLst>
+                                      </p:cBhvr>
+                                      <p:to>
+                                        <p:strVal val="visible"/>
+                                      </p:to>
+                                    </p:set>
+                                    <p:animEffect transition="in" filter="fade">
+                                      <p:cBhvr>
+                                        <p:cTn id="55" dur="500"/>
+                                        <p:tgtEl>
+                                          <p:spTgt spid="3">
+                                            <p:txEl>
+                                              <p:pRg st="12" end="12"/>
+                                            </p:txEl>
+                                          </p:spTgt>
+                                        </p:tgtEl>
+                                      </p:cBhvr>
+                                    </p:animEffect>
+                                  </p:childTnLst>
+                                </p:cTn>
+                              </p:par>
+                            </p:childTnLst>
+                          </p:cTn>
+                        </p:par>
+                        <p:par>
+                          <p:cTn id="56" fill="hold">
+                            <p:stCondLst>
+                              <p:cond delay="6500"/>
+                            </p:stCondLst>
+                            <p:childTnLst>
+                              <p:par>
+                                <p:cTn id="57" presetID="10" presetClass="entr" presetSubtype="0" fill="hold" nodeType="afterEffect">
+                                  <p:stCondLst>
+                                    <p:cond delay="0"/>
+                                  </p:stCondLst>
+                                  <p:childTnLst>
+                                    <p:set>
+                                      <p:cBhvr>
+                                        <p:cTn id="58" dur="1" fill="hold">
+                                          <p:stCondLst>
+                                            <p:cond delay="0"/>
+                                          </p:stCondLst>
+                                        </p:cTn>
+                                        <p:tgtEl>
+                                          <p:spTgt spid="3">
+                                            <p:txEl>
+                                              <p:pRg st="13" end="13"/>
+                                            </p:txEl>
+                                          </p:spTgt>
+                                        </p:tgtEl>
+                                        <p:attrNameLst>
+                                          <p:attrName>style.visibility</p:attrName>
+                                        </p:attrNameLst>
+                                      </p:cBhvr>
+                                      <p:to>
+                                        <p:strVal val="visible"/>
+                                      </p:to>
+                                    </p:set>
+                                    <p:animEffect transition="in" filter="fade">
+                                      <p:cBhvr>
+                                        <p:cTn id="59" dur="500"/>
+                                        <p:tgtEl>
+                                          <p:spTgt spid="3">
+                                            <p:txEl>
+                                              <p:pRg st="13" end="13"/>
+                                            </p:txEl>
+                                          </p:spTgt>
+                                        </p:tgtEl>
+                                      </p:cBhvr>
+                                    </p:animEffect>
+                                  </p:childTnLst>
+                                </p:cTn>
+                              </p:par>
+                            </p:childTnLst>
+                          </p:cTn>
+                        </p:par>
+                        <p:par>
+                          <p:cTn id="60" fill="hold">
+                            <p:stCondLst>
+                              <p:cond delay="7000"/>
+                            </p:stCondLst>
+                            <p:childTnLst>
+                              <p:par>
+                                <p:cTn id="61" presetID="10" presetClass="entr" presetSubtype="0" fill="hold" nodeType="afterEffect">
+                                  <p:stCondLst>
+                                    <p:cond delay="0"/>
+                                  </p:stCondLst>
+                                  <p:childTnLst>
+                                    <p:set>
+                                      <p:cBhvr>
+                                        <p:cTn id="62" dur="1" fill="hold">
+                                          <p:stCondLst>
+                                            <p:cond delay="0"/>
+                                          </p:stCondLst>
+                                        </p:cTn>
+                                        <p:tgtEl>
+                                          <p:spTgt spid="3">
+                                            <p:txEl>
+                                              <p:pRg st="14" end="14"/>
+                                            </p:txEl>
+                                          </p:spTgt>
+                                        </p:tgtEl>
+                                        <p:attrNameLst>
+                                          <p:attrName>style.visibility</p:attrName>
+                                        </p:attrNameLst>
+                                      </p:cBhvr>
+                                      <p:to>
+                                        <p:strVal val="visible"/>
+                                      </p:to>
+                                    </p:set>
+                                    <p:animEffect transition="in" filter="fade">
+                                      <p:cBhvr>
+                                        <p:cTn id="63" dur="500"/>
+                                        <p:tgtEl>
+                                          <p:spTgt spid="3">
+                                            <p:txEl>
+                                              <p:pRg st="14" end="14"/>
+                                            </p:txEl>
+                                          </p:spTgt>
+                                        </p:tgtEl>
+                                      </p:cBhvr>
+                                    </p:animEffect>
+                                  </p:childTnLst>
+                                </p:cTn>
+                              </p:par>
+                            </p:childTnLst>
+                          </p:cTn>
+                        </p:par>
+                        <p:par>
+                          <p:cTn id="64" fill="hold">
+                            <p:stCondLst>
+                              <p:cond delay="7500"/>
+                            </p:stCondLst>
+                            <p:childTnLst>
+                              <p:par>
+                                <p:cTn id="65" presetID="10" presetClass="entr" presetSubtype="0" fill="hold" nodeType="afterEffect">
+                                  <p:stCondLst>
+                                    <p:cond delay="0"/>
+                                  </p:stCondLst>
+                                  <p:childTnLst>
+                                    <p:set>
+                                      <p:cBhvr>
+                                        <p:cTn id="66" dur="1" fill="hold">
+                                          <p:stCondLst>
+                                            <p:cond delay="0"/>
+                                          </p:stCondLst>
+                                        </p:cTn>
+                                        <p:tgtEl>
+                                          <p:spTgt spid="3">
+                                            <p:txEl>
+                                              <p:pRg st="15" end="15"/>
+                                            </p:txEl>
+                                          </p:spTgt>
+                                        </p:tgtEl>
+                                        <p:attrNameLst>
+                                          <p:attrName>style.visibility</p:attrName>
+                                        </p:attrNameLst>
+                                      </p:cBhvr>
+                                      <p:to>
+                                        <p:strVal val="visible"/>
+                                      </p:to>
+                                    </p:set>
+                                    <p:animEffect transition="in" filter="fade">
+                                      <p:cBhvr>
+                                        <p:cTn id="67" dur="500"/>
+                                        <p:tgtEl>
+                                          <p:spTgt spid="3">
+                                            <p:txEl>
+                                              <p:pRg st="15" end="15"/>
+                                            </p:txEl>
+                                          </p:spTgt>
+                                        </p:tgtEl>
+                                      </p:cBhvr>
+                                    </p:animEffect>
+                                  </p:childTnLst>
+                                </p:cTn>
+                              </p:par>
+                            </p:childTnLst>
+                          </p:cTn>
+                        </p:par>
+                      </p:childTnLst>
+                    </p:cTn>
+                  </p:par>
+                </p:childTnLst>
+              </p:cTn>
+              <p:prevCondLst>
+                <p:cond evt="onPrev" delay="0">
+                  <p:tgtEl>
+                    <p:sldTgt/>
+                  </p:tgtEl>
+                </p:cond>
+              </p:prevCondLst>
+              <p:nextCondLst>
+                <p:cond evt="onNext" delay="0">
+                  <p:tgtEl>
+                    <p:sldTgt/>
+                  </p:tgtEl>
+                </p:cond>
+              </p:nextCondLst>
+            </p:seq>
+          </p:childTnLst>
+        </p:cTn>
+      </p:par>
+    </p:tnLst>
+  </p:timing>
 </p:sld>
 </file>
 
@@ -6129,7 +7900,7 @@
           <a:p>
             <a:r>
               <a:rPr lang="en-US" altLang="zh-TW" dirty="0"/>
-              <a:t>Diagram	</a:t>
+              <a:t>Classification</a:t>
             </a:r>
             <a:endParaRPr lang="zh-TW" altLang="en-US" dirty="0"/>
           </a:p>
@@ -6147,8 +7918,103 @@
         </p:nvSpPr>
         <p:spPr/>
         <p:txBody>
+          <a:bodyPr/>
+          <a:lstStyle/>
+          <a:p>
+            <a:r>
+              <a:rPr lang="en-US" altLang="zh-TW" dirty="0"/>
+              <a:t>Discuss the relationship of offensive information, salaries, and winning percentage</a:t>
+            </a:r>
+          </a:p>
+          <a:p>
+            <a:r>
+              <a:rPr lang="en-US" altLang="zh-TW" dirty="0"/>
+              <a:t>Classify the players into three categories, BA, OBP, and SLG</a:t>
+            </a:r>
+            <a:endParaRPr lang="zh-TW" altLang="en-US" dirty="0"/>
+          </a:p>
+          <a:p>
+            <a:r>
+              <a:rPr lang="en-US" altLang="zh-TW" dirty="0"/>
+              <a:t>Discuss the relationship of pitcher’s information, salaries and winning percentage</a:t>
+            </a:r>
+          </a:p>
+          <a:p>
+            <a:r>
+              <a:rPr lang="en-US" altLang="zh-TW" dirty="0"/>
+              <a:t>Classify the pitcher’s information into several categories</a:t>
+            </a:r>
+            <a:endParaRPr lang="zh-TW" altLang="en-US" dirty="0"/>
+          </a:p>
+        </p:txBody>
+      </p:sp>
+    </p:spTree>
+    <p:extLst>
+      <p:ext uri="{BB962C8B-B14F-4D97-AF65-F5344CB8AC3E}">
+        <p14:creationId xmlns:p14="http://schemas.microsoft.com/office/powerpoint/2010/main" val="3324527592"/>
+      </p:ext>
+    </p:extLst>
+  </p:cSld>
+  <p:clrMapOvr>
+    <a:masterClrMapping/>
+  </p:clrMapOvr>
+</p:sld>
+</file>
+
+<file path=ppt/slides/slide17.xml><?xml version="1.0" encoding="utf-8"?>
+<p:sld xmlns:a="http://schemas.openxmlformats.org/drawingml/2006/main" xmlns:r="http://schemas.openxmlformats.org/officeDocument/2006/relationships" xmlns:p="http://schemas.openxmlformats.org/presentationml/2006/main">
+  <p:cSld>
+    <p:spTree>
+      <p:nvGrpSpPr>
+        <p:cNvPr id="1" name=""/>
+        <p:cNvGrpSpPr/>
+        <p:nvPr/>
+      </p:nvGrpSpPr>
+      <p:grpSpPr>
+        <a:xfrm>
+          <a:off x="0" y="0"/>
+          <a:ext cx="0" cy="0"/>
+          <a:chOff x="0" y="0"/>
+          <a:chExt cx="0" cy="0"/>
+        </a:xfrm>
+      </p:grpSpPr>
+      <p:sp>
+        <p:nvSpPr>
+          <p:cNvPr id="2" name="標題 1"/>
+          <p:cNvSpPr>
+            <a:spLocks noGrp="1"/>
+          </p:cNvSpPr>
+          <p:nvPr>
+            <p:ph type="title"/>
+          </p:nvPr>
+        </p:nvSpPr>
+        <p:spPr/>
+        <p:txBody>
+          <a:bodyPr/>
+          <a:lstStyle/>
+          <a:p>
+            <a:r>
+              <a:rPr lang="en-US" altLang="zh-TW" dirty="0"/>
+              <a:t>Diagram	</a:t>
+            </a:r>
+            <a:endParaRPr lang="zh-TW" altLang="en-US" dirty="0"/>
+          </a:p>
+        </p:txBody>
+      </p:sp>
+      <p:sp>
+        <p:nvSpPr>
+          <p:cNvPr id="3" name="內容版面配置區 2"/>
+          <p:cNvSpPr>
+            <a:spLocks noGrp="1"/>
+          </p:cNvSpPr>
+          <p:nvPr>
+            <p:ph idx="1"/>
+          </p:nvPr>
+        </p:nvSpPr>
+        <p:spPr/>
+        <p:txBody>
           <a:bodyPr>
-            <a:normAutofit fontScale="92500" lnSpcReduction="20000"/>
+            <a:normAutofit fontScale="92500" lnSpcReduction="10000"/>
           </a:bodyPr>
           <a:lstStyle/>
           <a:p>
@@ -6172,7 +8038,7 @@
           <a:p>
             <a:r>
               <a:rPr lang="en-US" altLang="zh-TW" dirty="0"/>
-              <a:t>The relationship between BA, OBP, SLG and the chance of winning from 2011-2015 by </a:t>
+              <a:t>The relationship between player’s information and the winning percentage from 2011-2015 by </a:t>
             </a:r>
             <a:r>
               <a:rPr lang="en-US" altLang="zh-TW" dirty="0">
@@ -6194,7 +8060,7 @@
             </a:r>
             <a:r>
               <a:rPr lang="en-US" altLang="zh-TW" dirty="0"/>
-              <a:t>to see the relation between salaries, the chance of winning, BA, OBP, SLG</a:t>
+              <a:t>to see the relation between salaries, the winning percentage, and the player’s information.</a:t>
             </a:r>
           </a:p>
           <a:p>
@@ -6208,13 +8074,13 @@
             </a:r>
             <a:r>
               <a:rPr lang="en-US" altLang="zh-TW" dirty="0"/>
-              <a:t>to see the HR, 3B, 2B, Hit the whole pie is AB</a:t>
+              <a:t>to see the HR, 3B, 2B, 1B the whole pie is Hit</a:t>
             </a:r>
           </a:p>
           <a:p>
             <a:r>
               <a:rPr lang="en-US" altLang="zh-TW" dirty="0"/>
-              <a:t>Check the effect of high BA, OBP, and SLG in each team, which one has the strongest effect by </a:t>
+              <a:t>Find out the offensive and defensive characteristics  of each team by </a:t>
             </a:r>
             <a:r>
               <a:rPr lang="en-US" altLang="zh-TW" dirty="0">
@@ -6248,7 +8114,7 @@
 </p:sld>
 </file>
 
-<file path=ppt/slides/slide17.xml><?xml version="1.0" encoding="utf-8"?>
+<file path=ppt/slides/slide18.xml><?xml version="1.0" encoding="utf-8"?>
 <p:sld xmlns:a="http://schemas.openxmlformats.org/drawingml/2006/main" xmlns:r="http://schemas.openxmlformats.org/officeDocument/2006/relationships" xmlns:p="http://schemas.openxmlformats.org/presentationml/2006/main">
   <p:cSld>
     <p:spTree>
@@ -6563,7 +8429,7 @@
         <p:spPr/>
         <p:txBody>
           <a:bodyPr>
-            <a:normAutofit/>
+            <a:normAutofit lnSpcReduction="10000"/>
           </a:bodyPr>
           <a:lstStyle/>
           <a:p>
@@ -6611,14 +8477,13 @@
               </a:rPr>
               <a:t> Formula</a:t>
             </a:r>
-            <a:endParaRPr lang="en-US" altLang="zh-TW" sz="2400" dirty="0">
-              <a:solidFill>
-                <a:schemeClr val="accent5">
-                  <a:lumMod val="60000"/>
-                  <a:lumOff val="40000"/>
-                </a:schemeClr>
-              </a:solidFill>
-            </a:endParaRPr>
+          </a:p>
+          <a:p>
+            <a:pPr lvl="1"/>
+            <a:r>
+              <a:rPr lang="en-US" altLang="zh-TW" sz="2400" dirty="0"/>
+              <a:t>Offensive or defensive team has higher winning percentage</a:t>
+            </a:r>
           </a:p>
           <a:p>
             <a:r>
@@ -6630,14 +8495,21 @@
             <a:pPr lvl="1"/>
             <a:r>
               <a:rPr lang="en-US" altLang="zh-TW" sz="2400" dirty="0"/>
-              <a:t>Get the statistic diagram of  the measurements stolen bases, runs batted in, and batting average of a player</a:t>
+              <a:t>From the offensive and defensive lens to analyze the data</a:t>
             </a:r>
           </a:p>
           <a:p>
             <a:pPr lvl="1"/>
             <a:r>
               <a:rPr lang="en-US" altLang="zh-TW" sz="2400" dirty="0"/>
-              <a:t>Discuss the relationship of OBP, SLG, BA, salaries.</a:t>
+              <a:t>Discuss the relationship of OBP, SLG, BA, and salaries. (offensive)</a:t>
+            </a:r>
+          </a:p>
+          <a:p>
+            <a:pPr lvl="1"/>
+            <a:r>
+              <a:rPr lang="en-US" altLang="zh-TW" sz="2400" dirty="0"/>
+              <a:t>Discuss the relationship of pitcher’s information and salary. (defensive)</a:t>
             </a:r>
             <a:endParaRPr lang="zh-TW" altLang="en-US" sz="2400" dirty="0"/>
           </a:p>
@@ -6726,268 +8598,6 @@
       </p:grpSpPr>
       <p:sp>
         <p:nvSpPr>
-          <p:cNvPr id="2" name="標題 1"/>
-          <p:cNvSpPr>
-            <a:spLocks noGrp="1"/>
-          </p:cNvSpPr>
-          <p:nvPr>
-            <p:ph type="title"/>
-          </p:nvPr>
-        </p:nvSpPr>
-        <p:spPr/>
-        <p:txBody>
-          <a:bodyPr/>
-          <a:lstStyle/>
-          <a:p>
-            <a:r>
-              <a:rPr lang="en-US" altLang="zh-TW" b="1" dirty="0"/>
-              <a:t>Bill </a:t>
-            </a:r>
-            <a:r>
-              <a:rPr lang="en-US" altLang="zh-TW" b="1" dirty="0" err="1"/>
-              <a:t>Beane's</a:t>
-            </a:r>
-            <a:r>
-              <a:rPr lang="en-US" altLang="zh-TW" b="1" dirty="0"/>
-              <a:t> Formula</a:t>
-            </a:r>
-            <a:endParaRPr lang="zh-TW" altLang="en-US" dirty="0"/>
-          </a:p>
-        </p:txBody>
-      </p:sp>
-      <p:sp>
-        <p:nvSpPr>
-          <p:cNvPr id="3" name="內容版面配置區 2"/>
-          <p:cNvSpPr>
-            <a:spLocks noGrp="1"/>
-          </p:cNvSpPr>
-          <p:nvPr>
-            <p:ph idx="1"/>
-          </p:nvPr>
-        </p:nvSpPr>
-        <p:spPr/>
-        <p:txBody>
-          <a:bodyPr/>
-          <a:lstStyle/>
-          <a:p>
-            <a:r>
-              <a:rPr lang="en-US" altLang="zh-TW" dirty="0"/>
-              <a:t>Three targets to win a baseball game</a:t>
-            </a:r>
-          </a:p>
-          <a:p>
-            <a:pPr lvl="1"/>
-            <a:r>
-              <a:rPr lang="en-US" altLang="zh-TW" sz="2400" dirty="0"/>
-              <a:t>Batting Average (BA) : </a:t>
-            </a:r>
-          </a:p>
-          <a:p>
-            <a:pPr lvl="2"/>
-            <a:r>
-              <a:rPr lang="en-US" altLang="zh-TW" sz="2000" dirty="0">
-                <a:solidFill>
-                  <a:srgbClr val="FFFF99"/>
-                </a:solidFill>
-              </a:rPr>
-              <a:t>BA  = H/AB</a:t>
-            </a:r>
-          </a:p>
-          <a:p>
-            <a:pPr lvl="1"/>
-            <a:r>
-              <a:rPr lang="en-US" altLang="zh-TW" sz="2400" dirty="0"/>
-              <a:t>On Base Percentage (OBP): </a:t>
-            </a:r>
-          </a:p>
-          <a:p>
-            <a:pPr lvl="2"/>
-            <a:r>
-              <a:rPr lang="en-US" altLang="zh-TW" sz="2000" dirty="0">
-                <a:solidFill>
-                  <a:srgbClr val="FFFF99"/>
-                </a:solidFill>
-              </a:rPr>
-              <a:t>OBP = (H+BB+HBP)/(AB+BB+HBP+SF)</a:t>
-            </a:r>
-          </a:p>
-          <a:p>
-            <a:pPr lvl="1"/>
-            <a:r>
-              <a:rPr lang="en-US" altLang="zh-TW" sz="2400" dirty="0"/>
-              <a:t>Slugging Percentage (SLG): </a:t>
-            </a:r>
-          </a:p>
-          <a:p>
-            <a:pPr lvl="2"/>
-            <a:r>
-              <a:rPr lang="de-DE" altLang="zh-TW" sz="2000" dirty="0">
-                <a:solidFill>
-                  <a:srgbClr val="FFFF99"/>
-                </a:solidFill>
-              </a:rPr>
-              <a:t>SLG = H+2B+(2*3B)+(3*HR)/AB</a:t>
-            </a:r>
-            <a:endParaRPr lang="en-US" altLang="zh-TW" sz="2000" dirty="0">
-              <a:solidFill>
-                <a:srgbClr val="FFFF99"/>
-              </a:solidFill>
-            </a:endParaRPr>
-          </a:p>
-          <a:p>
-            <a:endParaRPr lang="zh-TW" altLang="en-US" dirty="0"/>
-          </a:p>
-          <a:p>
-            <a:endParaRPr lang="zh-TW" altLang="en-US" dirty="0"/>
-          </a:p>
-        </p:txBody>
-      </p:sp>
-    </p:spTree>
-    <p:extLst>
-      <p:ext uri="{BB962C8B-B14F-4D97-AF65-F5344CB8AC3E}">
-        <p14:creationId xmlns:p14="http://schemas.microsoft.com/office/powerpoint/2010/main" val="550243718"/>
-      </p:ext>
-    </p:extLst>
-  </p:cSld>
-  <p:clrMapOvr>
-    <a:masterClrMapping/>
-  </p:clrMapOvr>
-</p:sld>
-</file>
-
-<file path=ppt/slides/slide5.xml><?xml version="1.0" encoding="utf-8"?>
-<p:sld xmlns:a="http://schemas.openxmlformats.org/drawingml/2006/main" xmlns:r="http://schemas.openxmlformats.org/officeDocument/2006/relationships" xmlns:p="http://schemas.openxmlformats.org/presentationml/2006/main">
-  <p:cSld>
-    <p:spTree>
-      <p:nvGrpSpPr>
-        <p:cNvPr id="1" name=""/>
-        <p:cNvGrpSpPr/>
-        <p:nvPr/>
-      </p:nvGrpSpPr>
-      <p:grpSpPr>
-        <a:xfrm>
-          <a:off x="0" y="0"/>
-          <a:ext cx="0" cy="0"/>
-          <a:chOff x="0" y="0"/>
-          <a:chExt cx="0" cy="0"/>
-        </a:xfrm>
-      </p:grpSpPr>
-      <p:sp>
-        <p:nvSpPr>
-          <p:cNvPr id="4" name="標題 3"/>
-          <p:cNvSpPr>
-            <a:spLocks noGrp="1"/>
-          </p:cNvSpPr>
-          <p:nvPr>
-            <p:ph type="title"/>
-          </p:nvPr>
-        </p:nvSpPr>
-        <p:spPr/>
-        <p:txBody>
-          <a:bodyPr/>
-          <a:lstStyle/>
-          <a:p>
-            <a:r>
-              <a:rPr lang="en-US" altLang="zh-TW" dirty="0"/>
-              <a:t>Dataset Introduction</a:t>
-            </a:r>
-            <a:endParaRPr lang="zh-TW" altLang="en-US" dirty="0"/>
-          </a:p>
-        </p:txBody>
-      </p:sp>
-      <p:sp>
-        <p:nvSpPr>
-          <p:cNvPr id="5" name="內容版面配置區 4"/>
-          <p:cNvSpPr>
-            <a:spLocks noGrp="1"/>
-          </p:cNvSpPr>
-          <p:nvPr>
-            <p:ph idx="1"/>
-          </p:nvPr>
-        </p:nvSpPr>
-        <p:spPr/>
-        <p:txBody>
-          <a:bodyPr/>
-          <a:lstStyle/>
-          <a:p>
-            <a:r>
-              <a:rPr lang="en-US" altLang="zh-TW" dirty="0"/>
-              <a:t>Dataset is from </a:t>
-            </a:r>
-            <a:r>
-              <a:rPr lang="en-US" altLang="zh-TW" dirty="0">
-                <a:solidFill>
-                  <a:srgbClr val="FFFF99"/>
-                </a:solidFill>
-              </a:rPr>
-              <a:t>Baseball: </a:t>
-            </a:r>
-            <a:r>
-              <a:rPr lang="en-US" altLang="zh-TW" dirty="0" err="1">
-                <a:solidFill>
-                  <a:srgbClr val="FFFF99"/>
-                </a:solidFill>
-              </a:rPr>
-              <a:t>Lahman’s</a:t>
-            </a:r>
-            <a:r>
-              <a:rPr lang="en-US" altLang="zh-TW" dirty="0">
-                <a:solidFill>
-                  <a:srgbClr val="FFFF99"/>
-                </a:solidFill>
-              </a:rPr>
-              <a:t> Database</a:t>
-            </a:r>
-          </a:p>
-          <a:p>
-            <a:r>
-              <a:rPr lang="en-US" altLang="zh-TW" dirty="0"/>
-              <a:t>Content: This database contains pitching, hitting, and fielding statistics for Major League Baseball.</a:t>
-            </a:r>
-          </a:p>
-          <a:p>
-            <a:r>
-              <a:rPr lang="en-US" altLang="zh-TW" dirty="0"/>
-              <a:t>Time: 1871 - 2015</a:t>
-            </a:r>
-          </a:p>
-          <a:p>
-            <a:endParaRPr lang="zh-TW" altLang="en-US" dirty="0"/>
-          </a:p>
-        </p:txBody>
-      </p:sp>
-    </p:spTree>
-    <p:extLst>
-      <p:ext uri="{BB962C8B-B14F-4D97-AF65-F5344CB8AC3E}">
-        <p14:creationId xmlns:p14="http://schemas.microsoft.com/office/powerpoint/2010/main" val="3346794934"/>
-      </p:ext>
-    </p:extLst>
-  </p:cSld>
-  <p:clrMapOvr>
-    <a:masterClrMapping/>
-  </p:clrMapOvr>
-</p:sld>
-</file>
-
-<file path=ppt/slides/slide6.xml><?xml version="1.0" encoding="utf-8"?>
-<p:sld xmlns:a="http://schemas.openxmlformats.org/drawingml/2006/main" xmlns:r="http://schemas.openxmlformats.org/officeDocument/2006/relationships" xmlns:p="http://schemas.openxmlformats.org/presentationml/2006/main">
-  <p:cSld>
-    <p:spTree>
-      <p:nvGrpSpPr>
-        <p:cNvPr id="1" name=""/>
-        <p:cNvGrpSpPr/>
-        <p:nvPr/>
-      </p:nvGrpSpPr>
-      <p:grpSpPr>
-        <a:xfrm>
-          <a:off x="0" y="0"/>
-          <a:ext cx="0" cy="0"/>
-          <a:chOff x="0" y="0"/>
-          <a:chExt cx="0" cy="0"/>
-        </a:xfrm>
-      </p:grpSpPr>
-      <p:sp>
-        <p:nvSpPr>
           <p:cNvPr id="4" name="標題 3"/>
           <p:cNvSpPr>
             <a:spLocks noGrp="1"/>
@@ -8264,6 +9874,268 @@
 </p:sld>
 </file>
 
+<file path=ppt/slides/slide5.xml><?xml version="1.0" encoding="utf-8"?>
+<p:sld xmlns:a="http://schemas.openxmlformats.org/drawingml/2006/main" xmlns:r="http://schemas.openxmlformats.org/officeDocument/2006/relationships" xmlns:p="http://schemas.openxmlformats.org/presentationml/2006/main">
+  <p:cSld>
+    <p:spTree>
+      <p:nvGrpSpPr>
+        <p:cNvPr id="1" name=""/>
+        <p:cNvGrpSpPr/>
+        <p:nvPr/>
+      </p:nvGrpSpPr>
+      <p:grpSpPr>
+        <a:xfrm>
+          <a:off x="0" y="0"/>
+          <a:ext cx="0" cy="0"/>
+          <a:chOff x="0" y="0"/>
+          <a:chExt cx="0" cy="0"/>
+        </a:xfrm>
+      </p:grpSpPr>
+      <p:sp>
+        <p:nvSpPr>
+          <p:cNvPr id="2" name="標題 1"/>
+          <p:cNvSpPr>
+            <a:spLocks noGrp="1"/>
+          </p:cNvSpPr>
+          <p:nvPr>
+            <p:ph type="title"/>
+          </p:nvPr>
+        </p:nvSpPr>
+        <p:spPr/>
+        <p:txBody>
+          <a:bodyPr/>
+          <a:lstStyle/>
+          <a:p>
+            <a:r>
+              <a:rPr lang="en-US" altLang="zh-TW" b="1" dirty="0"/>
+              <a:t>Bill </a:t>
+            </a:r>
+            <a:r>
+              <a:rPr lang="en-US" altLang="zh-TW" b="1" dirty="0" err="1"/>
+              <a:t>Beane's</a:t>
+            </a:r>
+            <a:r>
+              <a:rPr lang="en-US" altLang="zh-TW" b="1" dirty="0"/>
+              <a:t> Formula</a:t>
+            </a:r>
+            <a:endParaRPr lang="zh-TW" altLang="en-US" dirty="0"/>
+          </a:p>
+        </p:txBody>
+      </p:sp>
+      <p:sp>
+        <p:nvSpPr>
+          <p:cNvPr id="3" name="內容版面配置區 2"/>
+          <p:cNvSpPr>
+            <a:spLocks noGrp="1"/>
+          </p:cNvSpPr>
+          <p:nvPr>
+            <p:ph idx="1"/>
+          </p:nvPr>
+        </p:nvSpPr>
+        <p:spPr/>
+        <p:txBody>
+          <a:bodyPr/>
+          <a:lstStyle/>
+          <a:p>
+            <a:r>
+              <a:rPr lang="en-US" altLang="zh-TW" dirty="0"/>
+              <a:t>Three measurements to win a baseball game</a:t>
+            </a:r>
+          </a:p>
+          <a:p>
+            <a:pPr lvl="1"/>
+            <a:r>
+              <a:rPr lang="en-US" altLang="zh-TW" sz="2400" dirty="0"/>
+              <a:t>Batting Average (BA) : </a:t>
+            </a:r>
+          </a:p>
+          <a:p>
+            <a:pPr lvl="2"/>
+            <a:r>
+              <a:rPr lang="en-US" altLang="zh-TW" sz="2000" dirty="0">
+                <a:solidFill>
+                  <a:srgbClr val="FFFF99"/>
+                </a:solidFill>
+              </a:rPr>
+              <a:t>BA  = H/AB</a:t>
+            </a:r>
+          </a:p>
+          <a:p>
+            <a:pPr lvl="1"/>
+            <a:r>
+              <a:rPr lang="en-US" altLang="zh-TW" sz="2400" dirty="0"/>
+              <a:t>On Base Percentage (OBP): </a:t>
+            </a:r>
+          </a:p>
+          <a:p>
+            <a:pPr lvl="2"/>
+            <a:r>
+              <a:rPr lang="en-US" altLang="zh-TW" sz="2000" dirty="0">
+                <a:solidFill>
+                  <a:srgbClr val="FFFF99"/>
+                </a:solidFill>
+              </a:rPr>
+              <a:t>OBP = (H+BB+HBP)/(AB+BB+HBP+SF)</a:t>
+            </a:r>
+          </a:p>
+          <a:p>
+            <a:pPr lvl="1"/>
+            <a:r>
+              <a:rPr lang="en-US" altLang="zh-TW" sz="2400" dirty="0"/>
+              <a:t>Slugging Percentage (SLG): </a:t>
+            </a:r>
+          </a:p>
+          <a:p>
+            <a:pPr lvl="2"/>
+            <a:r>
+              <a:rPr lang="de-DE" altLang="zh-TW" sz="2000" dirty="0">
+                <a:solidFill>
+                  <a:srgbClr val="FFFF99"/>
+                </a:solidFill>
+              </a:rPr>
+              <a:t>SLG = H+2B+(2*3B)+(3*HR)/AB</a:t>
+            </a:r>
+            <a:endParaRPr lang="en-US" altLang="zh-TW" sz="2000" dirty="0">
+              <a:solidFill>
+                <a:srgbClr val="FFFF99"/>
+              </a:solidFill>
+            </a:endParaRPr>
+          </a:p>
+          <a:p>
+            <a:endParaRPr lang="zh-TW" altLang="en-US" dirty="0"/>
+          </a:p>
+          <a:p>
+            <a:endParaRPr lang="zh-TW" altLang="en-US" dirty="0"/>
+          </a:p>
+        </p:txBody>
+      </p:sp>
+    </p:spTree>
+    <p:extLst>
+      <p:ext uri="{BB962C8B-B14F-4D97-AF65-F5344CB8AC3E}">
+        <p14:creationId xmlns:p14="http://schemas.microsoft.com/office/powerpoint/2010/main" val="550243718"/>
+      </p:ext>
+    </p:extLst>
+  </p:cSld>
+  <p:clrMapOvr>
+    <a:masterClrMapping/>
+  </p:clrMapOvr>
+</p:sld>
+</file>
+
+<file path=ppt/slides/slide6.xml><?xml version="1.0" encoding="utf-8"?>
+<p:sld xmlns:a="http://schemas.openxmlformats.org/drawingml/2006/main" xmlns:r="http://schemas.openxmlformats.org/officeDocument/2006/relationships" xmlns:p="http://schemas.openxmlformats.org/presentationml/2006/main">
+  <p:cSld>
+    <p:spTree>
+      <p:nvGrpSpPr>
+        <p:cNvPr id="1" name=""/>
+        <p:cNvGrpSpPr/>
+        <p:nvPr/>
+      </p:nvGrpSpPr>
+      <p:grpSpPr>
+        <a:xfrm>
+          <a:off x="0" y="0"/>
+          <a:ext cx="0" cy="0"/>
+          <a:chOff x="0" y="0"/>
+          <a:chExt cx="0" cy="0"/>
+        </a:xfrm>
+      </p:grpSpPr>
+      <p:sp>
+        <p:nvSpPr>
+          <p:cNvPr id="4" name="標題 3"/>
+          <p:cNvSpPr>
+            <a:spLocks noGrp="1"/>
+          </p:cNvSpPr>
+          <p:nvPr>
+            <p:ph type="title"/>
+          </p:nvPr>
+        </p:nvSpPr>
+        <p:spPr/>
+        <p:txBody>
+          <a:bodyPr/>
+          <a:lstStyle/>
+          <a:p>
+            <a:r>
+              <a:rPr lang="en-US" altLang="zh-TW" dirty="0"/>
+              <a:t>Dataset Introduction</a:t>
+            </a:r>
+            <a:endParaRPr lang="zh-TW" altLang="en-US" dirty="0"/>
+          </a:p>
+        </p:txBody>
+      </p:sp>
+      <p:sp>
+        <p:nvSpPr>
+          <p:cNvPr id="5" name="內容版面配置區 4"/>
+          <p:cNvSpPr>
+            <a:spLocks noGrp="1"/>
+          </p:cNvSpPr>
+          <p:nvPr>
+            <p:ph idx="1"/>
+          </p:nvPr>
+        </p:nvSpPr>
+        <p:spPr/>
+        <p:txBody>
+          <a:bodyPr/>
+          <a:lstStyle/>
+          <a:p>
+            <a:r>
+              <a:rPr lang="en-US" altLang="zh-TW" dirty="0"/>
+              <a:t>Dataset is from </a:t>
+            </a:r>
+            <a:r>
+              <a:rPr lang="en-US" altLang="zh-TW" dirty="0">
+                <a:solidFill>
+                  <a:srgbClr val="FFFF99"/>
+                </a:solidFill>
+              </a:rPr>
+              <a:t>Baseball: </a:t>
+            </a:r>
+            <a:r>
+              <a:rPr lang="en-US" altLang="zh-TW" dirty="0" err="1">
+                <a:solidFill>
+                  <a:srgbClr val="FFFF99"/>
+                </a:solidFill>
+              </a:rPr>
+              <a:t>Lahman’s</a:t>
+            </a:r>
+            <a:r>
+              <a:rPr lang="en-US" altLang="zh-TW" dirty="0">
+                <a:solidFill>
+                  <a:srgbClr val="FFFF99"/>
+                </a:solidFill>
+              </a:rPr>
+              <a:t> Database</a:t>
+            </a:r>
+          </a:p>
+          <a:p>
+            <a:r>
+              <a:rPr lang="en-US" altLang="zh-TW" dirty="0"/>
+              <a:t>Content: This database contains pitching, hitting, and fielding statistics for Major League Baseball.</a:t>
+            </a:r>
+          </a:p>
+          <a:p>
+            <a:r>
+              <a:rPr lang="en-US" altLang="zh-TW" dirty="0"/>
+              <a:t>Time: 1871 - 2015</a:t>
+            </a:r>
+          </a:p>
+          <a:p>
+            <a:endParaRPr lang="zh-TW" altLang="en-US" dirty="0"/>
+          </a:p>
+        </p:txBody>
+      </p:sp>
+    </p:spTree>
+    <p:extLst>
+      <p:ext uri="{BB962C8B-B14F-4D97-AF65-F5344CB8AC3E}">
+        <p14:creationId xmlns:p14="http://schemas.microsoft.com/office/powerpoint/2010/main" val="3346794934"/>
+      </p:ext>
+    </p:extLst>
+  </p:cSld>
+  <p:clrMapOvr>
+    <a:masterClrMapping/>
+  </p:clrMapOvr>
+</p:sld>
+</file>
+
 <file path=ppt/slides/slide7.xml><?xml version="1.0" encoding="utf-8"?>
 <p:sld xmlns:a="http://schemas.openxmlformats.org/drawingml/2006/main" xmlns:r="http://schemas.openxmlformats.org/officeDocument/2006/relationships" xmlns:p="http://schemas.openxmlformats.org/presentationml/2006/main">
   <p:cSld>
@@ -8298,7 +10170,7 @@
           <a:p>
             <a:r>
               <a:rPr lang="en-US" altLang="zh-TW" dirty="0"/>
-              <a:t>Data wrangling</a:t>
+              <a:t>Data wrangling – offensive </a:t>
             </a:r>
             <a:endParaRPr lang="zh-TW" altLang="en-US" dirty="0"/>
           </a:p>
@@ -8320,12 +10192,8 @@
           <a:lstStyle/>
           <a:p>
             <a:r>
-              <a:rPr lang="en-US" altLang="zh-TW"/>
-              <a:t>Filter </a:t>
-            </a:r>
-            <a:r>
               <a:rPr lang="en-US" altLang="zh-TW" dirty="0"/>
-              <a:t>the data from 2011-2015</a:t>
+              <a:t>Filter the data from 2011-2015</a:t>
             </a:r>
           </a:p>
           <a:p>
@@ -8569,11 +10437,19 @@
               <a:buChar char="n"/>
             </a:pPr>
             <a:r>
-              <a:rPr lang="en-US" altLang="zh-TW" sz="1800" dirty="0" err="1"/>
+              <a:rPr lang="en-US" altLang="zh-TW" sz="1800" dirty="0" err="1">
+                <a:solidFill>
+                  <a:srgbClr val="FF0000"/>
+                </a:solidFill>
+              </a:rPr>
               <a:t>playerID</a:t>
             </a:r>
             <a:r>
-              <a:rPr lang="en-US" altLang="zh-TW" sz="1800" dirty="0"/>
+              <a:rPr lang="en-US" altLang="zh-TW" sz="1800" dirty="0">
+                <a:solidFill>
+                  <a:srgbClr val="FF0000"/>
+                </a:solidFill>
+              </a:rPr>
               <a:t>       Player ID code</a:t>
             </a:r>
           </a:p>
@@ -8583,11 +10459,19 @@
               <a:buChar char="n"/>
             </a:pPr>
             <a:r>
-              <a:rPr lang="en-US" altLang="zh-TW" sz="1800" dirty="0" err="1"/>
+              <a:rPr lang="en-US" altLang="zh-TW" sz="1800" dirty="0" err="1">
+                <a:solidFill>
+                  <a:srgbClr val="FF0000"/>
+                </a:solidFill>
+              </a:rPr>
               <a:t>yearID</a:t>
             </a:r>
             <a:r>
-              <a:rPr lang="en-US" altLang="zh-TW" sz="1800" dirty="0"/>
+              <a:rPr lang="en-US" altLang="zh-TW" sz="1800" dirty="0">
+                <a:solidFill>
+                  <a:srgbClr val="FF0000"/>
+                </a:solidFill>
+              </a:rPr>
               <a:t>         Year</a:t>
             </a:r>
           </a:p>
@@ -9131,11 +11015,19 @@
               <a:buChar char="n"/>
             </a:pPr>
             <a:r>
-              <a:rPr lang="en-US" altLang="zh-TW" sz="1600" dirty="0" err="1"/>
+              <a:rPr lang="en-US" altLang="zh-TW" sz="1600" dirty="0" err="1">
+                <a:solidFill>
+                  <a:srgbClr val="FF0000"/>
+                </a:solidFill>
+              </a:rPr>
               <a:t>yearID</a:t>
             </a:r>
             <a:r>
-              <a:rPr lang="en-US" altLang="zh-TW" sz="1600" dirty="0"/>
+              <a:rPr lang="en-US" altLang="zh-TW" sz="1600" dirty="0">
+                <a:solidFill>
+                  <a:srgbClr val="FF0000"/>
+                </a:solidFill>
+              </a:rPr>
               <a:t>         Year</a:t>
             </a:r>
           </a:p>
@@ -9159,11 +11051,19 @@
               <a:buChar char="n"/>
             </a:pPr>
             <a:r>
-              <a:rPr lang="en-US" altLang="zh-TW" sz="1600" dirty="0" err="1"/>
+              <a:rPr lang="en-US" altLang="zh-TW" sz="1600" dirty="0" err="1">
+                <a:solidFill>
+                  <a:srgbClr val="FF0000"/>
+                </a:solidFill>
+              </a:rPr>
               <a:t>teamID</a:t>
             </a:r>
             <a:r>
-              <a:rPr lang="en-US" altLang="zh-TW" sz="1600" dirty="0"/>
+              <a:rPr lang="en-US" altLang="zh-TW" sz="1600" dirty="0">
+                <a:solidFill>
+                  <a:srgbClr val="FF0000"/>
+                </a:solidFill>
+              </a:rPr>
               <a:t>         Team</a:t>
             </a:r>
           </a:p>
@@ -9235,7 +11135,11 @@
               <a:buChar char="n"/>
             </a:pPr>
             <a:r>
-              <a:rPr lang="en-US" altLang="zh-TW" sz="1600" dirty="0"/>
+              <a:rPr lang="en-US" altLang="zh-TW" sz="1600" dirty="0">
+                <a:solidFill>
+                  <a:srgbClr val="FF0000"/>
+                </a:solidFill>
+              </a:rPr>
               <a:t>W              Wins</a:t>
             </a:r>
           </a:p>
@@ -9245,7 +11149,11 @@
               <a:buChar char="n"/>
             </a:pPr>
             <a:r>
-              <a:rPr lang="en-US" altLang="zh-TW" sz="1600" dirty="0"/>
+              <a:rPr lang="en-US" altLang="zh-TW" sz="1600" dirty="0">
+                <a:solidFill>
+                  <a:srgbClr val="FF0000"/>
+                </a:solidFill>
+              </a:rPr>
               <a:t>L              Losses</a:t>
             </a:r>
           </a:p>
